--- a/docs/4. Testing/seteam3 qahub working scenario for testing.pptx
+++ b/docs/4. Testing/seteam3 qahub working scenario for testing.pptx
@@ -122,7 +122,7 @@
   </p:defaultTextStyle>
   <p:extLst>
     <p:ext uri="{EFAFB233-063F-42B5-8137-9DF3F51BA10A}">
-      <p15:sldGuideLst xmlns:p15="http://schemas.microsoft.com/office/powerpoint/2012/main">
+      <p15:sldGuideLst xmlns:p15="http://schemas.microsoft.com/office/powerpoint/2012/main" xmlns="">
         <p15:guide id="1" orient="horz" pos="2880">
           <p15:clr>
             <a:srgbClr val="A4A3A4"/>
@@ -221,7 +221,8 @@
           <a:p>
             <a:fld id="{2FA1F24A-4A37-46DB-ACE3-CBE0DCCA9039}" type="datetimeFigureOut">
               <a:rPr lang="ko-KR" altLang="en-US" smtClean="0"/>
-              <a:t>2019. 12. 7.</a:t>
+              <a:pPr/>
+              <a:t>2019-12-08</a:t>
             </a:fld>
             <a:endParaRPr lang="ko-KR" altLang="en-US"/>
           </a:p>
@@ -381,6 +382,7 @@
           <a:p>
             <a:fld id="{C0C59AA9-EB66-4EC8-A98E-A019248E9917}" type="slidenum">
               <a:rPr lang="ko-KR" altLang="en-US" smtClean="0"/>
+              <a:pPr/>
               <a:t>‹#›</a:t>
             </a:fld>
             <a:endParaRPr lang="ko-KR" altLang="en-US"/>
@@ -631,7 +633,7 @@
             <a:fld id="{1D8BD707-D9CF-40AE-B4C6-C98DA3205C09}" type="datetimeFigureOut">
               <a:rPr lang="en-US"/>
               <a:pPr/>
-              <a:t>12/7/19</a:t>
+              <a:t>12/8/2019</a:t>
             </a:fld>
             <a:endParaRPr lang="en-US"/>
           </a:p>
@@ -809,7 +811,7 @@
             <a:fld id="{1D8BD707-D9CF-40AE-B4C6-C98DA3205C09}" type="datetimeFigureOut">
               <a:rPr lang="en-US"/>
               <a:pPr/>
-              <a:t>12/7/19</a:t>
+              <a:t>12/8/2019</a:t>
             </a:fld>
             <a:endParaRPr lang="en-US"/>
           </a:p>
@@ -1026,7 +1028,7 @@
             <a:fld id="{1D8BD707-D9CF-40AE-B4C6-C98DA3205C09}" type="datetimeFigureOut">
               <a:rPr lang="en-US"/>
               <a:pPr/>
-              <a:t>12/7/19</a:t>
+              <a:t>12/8/2019</a:t>
             </a:fld>
             <a:endParaRPr lang="en-US"/>
           </a:p>
@@ -1177,7 +1179,7 @@
             <a:fld id="{1D8BD707-D9CF-40AE-B4C6-C98DA3205C09}" type="datetimeFigureOut">
               <a:rPr lang="en-US"/>
               <a:pPr/>
-              <a:t>12/7/19</a:t>
+              <a:t>12/8/2019</a:t>
             </a:fld>
             <a:endParaRPr lang="en-US"/>
           </a:p>
@@ -1299,7 +1301,7 @@
             <a:fld id="{1D8BD707-D9CF-40AE-B4C6-C98DA3205C09}" type="datetimeFigureOut">
               <a:rPr lang="en-US"/>
               <a:pPr/>
-              <a:t>12/7/19</a:t>
+              <a:t>12/8/2019</a:t>
             </a:fld>
             <a:endParaRPr lang="en-US"/>
           </a:p>
@@ -1525,7 +1527,7 @@
             <a:fld id="{1D8BD707-D9CF-40AE-B4C6-C98DA3205C09}" type="datetimeFigureOut">
               <a:rPr lang="en-US"/>
               <a:pPr/>
-              <a:t>12/7/19</a:t>
+              <a:t>12/8/2019</a:t>
             </a:fld>
             <a:endParaRPr lang="en-US"/>
           </a:p>
@@ -1971,7 +1973,7 @@
           <p:nvPr>
             <p:extLst>
               <p:ext uri="{D42A27DB-BD31-4B8C-83A1-F6EECF244321}">
-                <p14:modId xmlns:p14="http://schemas.microsoft.com/office/powerpoint/2010/main" val="1479166461"/>
+                <p14:modId xmlns:p14="http://schemas.microsoft.com/office/powerpoint/2010/main" xmlns="" val="1479166461"/>
               </p:ext>
             </p:extLst>
           </p:nvPr>
@@ -1990,28 +1992,28 @@
                 <a:gridCol w="990600">
                   <a:extLst>
                     <a:ext uri="{9D8B030D-6E8A-4147-A177-3AD203B41FA5}">
-                      <a16:colId xmlns:a16="http://schemas.microsoft.com/office/drawing/2014/main" val="20000"/>
+                      <a16:colId xmlns:a16="http://schemas.microsoft.com/office/drawing/2014/main" xmlns="" val="20000"/>
                     </a:ext>
                   </a:extLst>
                 </a:gridCol>
                 <a:gridCol w="5486400">
                   <a:extLst>
                     <a:ext uri="{9D8B030D-6E8A-4147-A177-3AD203B41FA5}">
-                      <a16:colId xmlns:a16="http://schemas.microsoft.com/office/drawing/2014/main" val="20001"/>
+                      <a16:colId xmlns:a16="http://schemas.microsoft.com/office/drawing/2014/main" xmlns="" val="20001"/>
                     </a:ext>
                   </a:extLst>
                 </a:gridCol>
                 <a:gridCol w="990600">
                   <a:extLst>
                     <a:ext uri="{9D8B030D-6E8A-4147-A177-3AD203B41FA5}">
-                      <a16:colId xmlns:a16="http://schemas.microsoft.com/office/drawing/2014/main" val="20002"/>
+                      <a16:colId xmlns:a16="http://schemas.microsoft.com/office/drawing/2014/main" xmlns="" val="20002"/>
                     </a:ext>
                   </a:extLst>
                 </a:gridCol>
                 <a:gridCol w="862328">
                   <a:extLst>
                     <a:ext uri="{9D8B030D-6E8A-4147-A177-3AD203B41FA5}">
-                      <a16:colId xmlns:a16="http://schemas.microsoft.com/office/drawing/2014/main" val="20003"/>
+                      <a16:colId xmlns:a16="http://schemas.microsoft.com/office/drawing/2014/main" xmlns="" val="20003"/>
                     </a:ext>
                   </a:extLst>
                 </a:gridCol>
@@ -2281,7 +2283,7 @@
                 </a:tc>
                 <a:extLst>
                   <a:ext uri="{0D108BD9-81ED-4DB2-BD59-A6C34878D82A}">
-                    <a16:rowId xmlns:a16="http://schemas.microsoft.com/office/drawing/2014/main" val="10000"/>
+                    <a16:rowId xmlns:a16="http://schemas.microsoft.com/office/drawing/2014/main" xmlns="" val="10000"/>
                   </a:ext>
                 </a:extLst>
               </a:tr>
@@ -2293,9 +2295,10 @@
                     <a:p>
                       <a:pPr algn="ctr" rtl="0" fontAlgn="ctr"/>
                       <a:r>
-                        <a:rPr lang="en-US" altLang="ko-KR" sz="1000" dirty="0"/>
-                        <a:t>12.1</a:t>
-                      </a:r>
+                        <a:rPr lang="en-US" altLang="ko-KR" sz="1000" dirty="0" smtClean="0"/>
+                        <a:t>9.1</a:t>
+                      </a:r>
+                      <a:endParaRPr lang="en-US" altLang="ko-KR" sz="1000" dirty="0"/>
                     </a:p>
                   </a:txBody>
                   <a:tcPr marL="22860" marR="22860" marT="0" marB="0" anchor="ctr">
@@ -2474,7 +2477,7 @@
                 </a:tc>
                 <a:extLst>
                   <a:ext uri="{0D108BD9-81ED-4DB2-BD59-A6C34878D82A}">
-                    <a16:rowId xmlns:a16="http://schemas.microsoft.com/office/drawing/2014/main" val="10001"/>
+                    <a16:rowId xmlns:a16="http://schemas.microsoft.com/office/drawing/2014/main" xmlns="" val="10001"/>
                   </a:ext>
                 </a:extLst>
               </a:tr>
@@ -2486,9 +2489,10 @@
                     <a:p>
                       <a:pPr algn="ctr" rtl="0" fontAlgn="ctr"/>
                       <a:r>
-                        <a:rPr lang="en-US" altLang="ko-KR" sz="1000"/>
-                        <a:t>12.2</a:t>
-                      </a:r>
+                        <a:rPr lang="en-US" altLang="ko-KR" sz="1000" dirty="0" smtClean="0"/>
+                        <a:t>9.2</a:t>
+                      </a:r>
+                      <a:endParaRPr lang="en-US" altLang="ko-KR" sz="1000" dirty="0"/>
                     </a:p>
                   </a:txBody>
                   <a:tcPr marL="22860" marR="22860" marT="0" marB="0" anchor="ctr">
@@ -2675,7 +2679,7 @@
                 </a:tc>
                 <a:extLst>
                   <a:ext uri="{0D108BD9-81ED-4DB2-BD59-A6C34878D82A}">
-                    <a16:rowId xmlns:a16="http://schemas.microsoft.com/office/drawing/2014/main" val="10002"/>
+                    <a16:rowId xmlns:a16="http://schemas.microsoft.com/office/drawing/2014/main" xmlns="" val="10002"/>
                   </a:ext>
                 </a:extLst>
               </a:tr>
@@ -2687,9 +2691,10 @@
                     <a:p>
                       <a:pPr algn="ctr" rtl="0" fontAlgn="ctr"/>
                       <a:r>
-                        <a:rPr lang="en-US" altLang="ko-KR" sz="1000"/>
-                        <a:t>12.3</a:t>
-                      </a:r>
+                        <a:rPr lang="en-US" altLang="ko-KR" sz="1000" dirty="0" smtClean="0"/>
+                        <a:t>9.3</a:t>
+                      </a:r>
+                      <a:endParaRPr lang="en-US" altLang="ko-KR" sz="1000" dirty="0"/>
                     </a:p>
                   </a:txBody>
                   <a:tcPr marL="22860" marR="22860" marT="0" marB="0" anchor="ctr">
@@ -2884,7 +2889,7 @@
                 </a:tc>
                 <a:extLst>
                   <a:ext uri="{0D108BD9-81ED-4DB2-BD59-A6C34878D82A}">
-                    <a16:rowId xmlns:a16="http://schemas.microsoft.com/office/drawing/2014/main" val="10003"/>
+                    <a16:rowId xmlns:a16="http://schemas.microsoft.com/office/drawing/2014/main" xmlns="" val="10003"/>
                   </a:ext>
                 </a:extLst>
               </a:tr>
@@ -2896,9 +2901,10 @@
                     <a:p>
                       <a:pPr algn="ctr" rtl="0" fontAlgn="ctr"/>
                       <a:r>
-                        <a:rPr lang="en-US" altLang="ko-KR" sz="1000"/>
-                        <a:t>12.4</a:t>
-                      </a:r>
+                        <a:rPr lang="en-US" altLang="ko-KR" sz="1000" dirty="0" smtClean="0"/>
+                        <a:t>9.4</a:t>
+                      </a:r>
+                      <a:endParaRPr lang="en-US" altLang="ko-KR" sz="1000" dirty="0"/>
                     </a:p>
                   </a:txBody>
                   <a:tcPr marL="22860" marR="22860" marT="0" marB="0" anchor="ctr">
@@ -3085,7 +3091,7 @@
                 </a:tc>
                 <a:extLst>
                   <a:ext uri="{0D108BD9-81ED-4DB2-BD59-A6C34878D82A}">
-                    <a16:rowId xmlns:a16="http://schemas.microsoft.com/office/drawing/2014/main" val="10004"/>
+                    <a16:rowId xmlns:a16="http://schemas.microsoft.com/office/drawing/2014/main" xmlns="" val="10004"/>
                   </a:ext>
                 </a:extLst>
               </a:tr>
@@ -3097,9 +3103,10 @@
                     <a:p>
                       <a:pPr algn="ctr" rtl="0" fontAlgn="ctr"/>
                       <a:r>
-                        <a:rPr lang="en-US" altLang="ko-KR" sz="1000"/>
-                        <a:t>12.5</a:t>
-                      </a:r>
+                        <a:rPr lang="en-US" altLang="ko-KR" sz="1000" dirty="0" smtClean="0"/>
+                        <a:t>9.5</a:t>
+                      </a:r>
+                      <a:endParaRPr lang="en-US" altLang="ko-KR" sz="1000" dirty="0"/>
                     </a:p>
                   </a:txBody>
                   <a:tcPr marL="22860" marR="22860" marT="0" marB="0" anchor="ctr">
@@ -3286,7 +3293,7 @@
                 </a:tc>
                 <a:extLst>
                   <a:ext uri="{0D108BD9-81ED-4DB2-BD59-A6C34878D82A}">
-                    <a16:rowId xmlns:a16="http://schemas.microsoft.com/office/drawing/2014/main" val="10005"/>
+                    <a16:rowId xmlns:a16="http://schemas.microsoft.com/office/drawing/2014/main" xmlns="" val="10005"/>
                   </a:ext>
                 </a:extLst>
               </a:tr>
@@ -3298,9 +3305,10 @@
                     <a:p>
                       <a:pPr algn="ctr" rtl="0" fontAlgn="ctr"/>
                       <a:r>
-                        <a:rPr lang="en-US" altLang="ko-KR" sz="1000"/>
-                        <a:t>12.6</a:t>
-                      </a:r>
+                        <a:rPr lang="en-US" altLang="ko-KR" sz="1000" dirty="0" smtClean="0"/>
+                        <a:t>9.6</a:t>
+                      </a:r>
+                      <a:endParaRPr lang="en-US" altLang="ko-KR" sz="1000" dirty="0"/>
                     </a:p>
                   </a:txBody>
                   <a:tcPr marL="22860" marR="22860" marT="0" marB="0" anchor="ctr">
@@ -3495,7 +3503,7 @@
                 </a:tc>
                 <a:extLst>
                   <a:ext uri="{0D108BD9-81ED-4DB2-BD59-A6C34878D82A}">
-                    <a16:rowId xmlns:a16="http://schemas.microsoft.com/office/drawing/2014/main" val="10006"/>
+                    <a16:rowId xmlns:a16="http://schemas.microsoft.com/office/drawing/2014/main" xmlns="" val="10006"/>
                   </a:ext>
                 </a:extLst>
               </a:tr>
@@ -3507,9 +3515,10 @@
                     <a:p>
                       <a:pPr algn="ctr" rtl="0" fontAlgn="ctr"/>
                       <a:r>
-                        <a:rPr lang="en-US" altLang="ko-KR" sz="1000"/>
-                        <a:t>12.8</a:t>
-                      </a:r>
+                        <a:rPr lang="en-US" altLang="ko-KR" sz="1000" dirty="0" smtClean="0"/>
+                        <a:t>9.7</a:t>
+                      </a:r>
+                      <a:endParaRPr lang="en-US" altLang="ko-KR" sz="1000" dirty="0"/>
                     </a:p>
                   </a:txBody>
                   <a:tcPr marL="22860" marR="22860" marT="0" marB="0" anchor="ctr">
@@ -3720,7 +3729,7 @@
                 </a:tc>
                 <a:extLst>
                   <a:ext uri="{0D108BD9-81ED-4DB2-BD59-A6C34878D82A}">
-                    <a16:rowId xmlns:a16="http://schemas.microsoft.com/office/drawing/2014/main" val="10008"/>
+                    <a16:rowId xmlns:a16="http://schemas.microsoft.com/office/drawing/2014/main" xmlns="" val="10008"/>
                   </a:ext>
                 </a:extLst>
               </a:tr>
@@ -3790,6 +3799,10 @@
               <a:rPr lang="en-US" sz="2000" b="1" spc="-5" dirty="0" err="1"/>
               <a:t>Nonfunctional_Usability</a:t>
             </a:r>
+            <a:r>
+              <a:rPr lang="en-US" sz="2000" b="1" spc="-5" dirty="0"/>
+              <a:t/>
+            </a:r>
             <a:br>
               <a:rPr lang="en-US" sz="2000" b="1" spc="-5" dirty="0"/>
             </a:br>
@@ -3816,7 +3829,7 @@
           <p:nvPr>
             <p:extLst>
               <p:ext uri="{D42A27DB-BD31-4B8C-83A1-F6EECF244321}">
-                <p14:modId xmlns:p14="http://schemas.microsoft.com/office/powerpoint/2010/main" val="258737356"/>
+                <p14:modId xmlns:p14="http://schemas.microsoft.com/office/powerpoint/2010/main" xmlns="" val="258737356"/>
               </p:ext>
             </p:extLst>
           </p:nvPr>
@@ -3835,28 +3848,28 @@
                 <a:gridCol w="990600">
                   <a:extLst>
                     <a:ext uri="{9D8B030D-6E8A-4147-A177-3AD203B41FA5}">
-                      <a16:colId xmlns:a16="http://schemas.microsoft.com/office/drawing/2014/main" val="20000"/>
+                      <a16:colId xmlns:a16="http://schemas.microsoft.com/office/drawing/2014/main" xmlns="" val="20000"/>
                     </a:ext>
                   </a:extLst>
                 </a:gridCol>
                 <a:gridCol w="5486400">
                   <a:extLst>
                     <a:ext uri="{9D8B030D-6E8A-4147-A177-3AD203B41FA5}">
-                      <a16:colId xmlns:a16="http://schemas.microsoft.com/office/drawing/2014/main" val="20001"/>
+                      <a16:colId xmlns:a16="http://schemas.microsoft.com/office/drawing/2014/main" xmlns="" val="20001"/>
                     </a:ext>
                   </a:extLst>
                 </a:gridCol>
                 <a:gridCol w="990600">
                   <a:extLst>
                     <a:ext uri="{9D8B030D-6E8A-4147-A177-3AD203B41FA5}">
-                      <a16:colId xmlns:a16="http://schemas.microsoft.com/office/drawing/2014/main" val="20002"/>
+                      <a16:colId xmlns:a16="http://schemas.microsoft.com/office/drawing/2014/main" xmlns="" val="20002"/>
                     </a:ext>
                   </a:extLst>
                 </a:gridCol>
                 <a:gridCol w="862328">
                   <a:extLst>
                     <a:ext uri="{9D8B030D-6E8A-4147-A177-3AD203B41FA5}">
-                      <a16:colId xmlns:a16="http://schemas.microsoft.com/office/drawing/2014/main" val="20003"/>
+                      <a16:colId xmlns:a16="http://schemas.microsoft.com/office/drawing/2014/main" xmlns="" val="20003"/>
                     </a:ext>
                   </a:extLst>
                 </a:gridCol>
@@ -4126,7 +4139,7 @@
                 </a:tc>
                 <a:extLst>
                   <a:ext uri="{0D108BD9-81ED-4DB2-BD59-A6C34878D82A}">
-                    <a16:rowId xmlns:a16="http://schemas.microsoft.com/office/drawing/2014/main" val="10000"/>
+                    <a16:rowId xmlns:a16="http://schemas.microsoft.com/office/drawing/2014/main" xmlns="" val="10000"/>
                   </a:ext>
                 </a:extLst>
               </a:tr>
@@ -4138,9 +4151,10 @@
                     <a:p>
                       <a:pPr algn="ctr" rtl="0" fontAlgn="ctr"/>
                       <a:r>
-                        <a:rPr lang="en-US" altLang="ko-KR" sz="1000" dirty="0"/>
-                        <a:t>13.1</a:t>
-                      </a:r>
+                        <a:rPr lang="en-US" altLang="ko-KR" sz="1000" dirty="0" smtClean="0"/>
+                        <a:t>10.1</a:t>
+                      </a:r>
+                      <a:endParaRPr lang="en-US" altLang="ko-KR" sz="1000" dirty="0"/>
                     </a:p>
                   </a:txBody>
                   <a:tcPr marL="22860" marR="22860" marT="0" marB="0" anchor="ctr">
@@ -4323,7 +4337,7 @@
                 </a:tc>
                 <a:extLst>
                   <a:ext uri="{0D108BD9-81ED-4DB2-BD59-A6C34878D82A}">
-                    <a16:rowId xmlns:a16="http://schemas.microsoft.com/office/drawing/2014/main" val="10001"/>
+                    <a16:rowId xmlns:a16="http://schemas.microsoft.com/office/drawing/2014/main" xmlns="" val="10001"/>
                   </a:ext>
                 </a:extLst>
               </a:tr>
@@ -4335,9 +4349,10 @@
                     <a:p>
                       <a:pPr algn="ctr" rtl="0" fontAlgn="ctr"/>
                       <a:r>
-                        <a:rPr lang="en-US" altLang="ko-KR" sz="1000"/>
-                        <a:t>13.2</a:t>
-                      </a:r>
+                        <a:rPr lang="en-US" altLang="ko-KR" sz="1000" dirty="0" smtClean="0"/>
+                        <a:t>10.2</a:t>
+                      </a:r>
+                      <a:endParaRPr lang="en-US" altLang="ko-KR" sz="1000" dirty="0"/>
                     </a:p>
                   </a:txBody>
                   <a:tcPr marL="22860" marR="22860" marT="0" marB="0" anchor="ctr">
@@ -4528,7 +4543,7 @@
                 </a:tc>
                 <a:extLst>
                   <a:ext uri="{0D108BD9-81ED-4DB2-BD59-A6C34878D82A}">
-                    <a16:rowId xmlns:a16="http://schemas.microsoft.com/office/drawing/2014/main" val="10002"/>
+                    <a16:rowId xmlns:a16="http://schemas.microsoft.com/office/drawing/2014/main" xmlns="" val="10002"/>
                   </a:ext>
                 </a:extLst>
               </a:tr>
@@ -4540,9 +4555,10 @@
                     <a:p>
                       <a:pPr algn="ctr" rtl="0" fontAlgn="ctr"/>
                       <a:r>
-                        <a:rPr lang="en-US" altLang="ko-KR" sz="1000"/>
-                        <a:t>13.2.1</a:t>
-                      </a:r>
+                        <a:rPr lang="en-US" altLang="ko-KR" sz="1000" dirty="0" smtClean="0"/>
+                        <a:t>10.2.1</a:t>
+                      </a:r>
+                      <a:endParaRPr lang="en-US" altLang="ko-KR" sz="1000" dirty="0"/>
                     </a:p>
                   </a:txBody>
                   <a:tcPr marL="22860" marR="22860" marT="0" marB="0" anchor="ctr">
@@ -4721,7 +4737,7 @@
                 </a:tc>
                 <a:extLst>
                   <a:ext uri="{0D108BD9-81ED-4DB2-BD59-A6C34878D82A}">
-                    <a16:rowId xmlns:a16="http://schemas.microsoft.com/office/drawing/2014/main" val="10003"/>
+                    <a16:rowId xmlns:a16="http://schemas.microsoft.com/office/drawing/2014/main" xmlns="" val="10003"/>
                   </a:ext>
                 </a:extLst>
               </a:tr>
@@ -4733,9 +4749,10 @@
                     <a:p>
                       <a:pPr algn="ctr" rtl="0" fontAlgn="ctr"/>
                       <a:r>
-                        <a:rPr lang="en-US" altLang="ko-KR" sz="1000"/>
-                        <a:t>13.2.2</a:t>
-                      </a:r>
+                        <a:rPr lang="en-US" altLang="ko-KR" sz="1000" dirty="0" smtClean="0"/>
+                        <a:t>10.2.2</a:t>
+                      </a:r>
+                      <a:endParaRPr lang="en-US" altLang="ko-KR" sz="1000" dirty="0"/>
                     </a:p>
                   </a:txBody>
                   <a:tcPr marL="22860" marR="22860" marT="0" marB="0" anchor="ctr">
@@ -4914,7 +4931,7 @@
                 </a:tc>
                 <a:extLst>
                   <a:ext uri="{0D108BD9-81ED-4DB2-BD59-A6C34878D82A}">
-                    <a16:rowId xmlns:a16="http://schemas.microsoft.com/office/drawing/2014/main" val="10004"/>
+                    <a16:rowId xmlns:a16="http://schemas.microsoft.com/office/drawing/2014/main" xmlns="" val="10004"/>
                   </a:ext>
                 </a:extLst>
               </a:tr>
@@ -5011,7 +5028,7 @@
           <p:nvPr>
             <p:extLst>
               <p:ext uri="{D42A27DB-BD31-4B8C-83A1-F6EECF244321}">
-                <p14:modId xmlns:p14="http://schemas.microsoft.com/office/powerpoint/2010/main" val="1718576023"/>
+                <p14:modId xmlns:p14="http://schemas.microsoft.com/office/powerpoint/2010/main" xmlns="" val="1718576023"/>
               </p:ext>
             </p:extLst>
           </p:nvPr>
@@ -5030,28 +5047,28 @@
                 <a:gridCol w="990600">
                   <a:extLst>
                     <a:ext uri="{9D8B030D-6E8A-4147-A177-3AD203B41FA5}">
-                      <a16:colId xmlns:a16="http://schemas.microsoft.com/office/drawing/2014/main" val="20000"/>
+                      <a16:colId xmlns:a16="http://schemas.microsoft.com/office/drawing/2014/main" xmlns="" val="20000"/>
                     </a:ext>
                   </a:extLst>
                 </a:gridCol>
                 <a:gridCol w="5486400">
                   <a:extLst>
                     <a:ext uri="{9D8B030D-6E8A-4147-A177-3AD203B41FA5}">
-                      <a16:colId xmlns:a16="http://schemas.microsoft.com/office/drawing/2014/main" val="20001"/>
+                      <a16:colId xmlns:a16="http://schemas.microsoft.com/office/drawing/2014/main" xmlns="" val="20001"/>
                     </a:ext>
                   </a:extLst>
                 </a:gridCol>
                 <a:gridCol w="990600">
                   <a:extLst>
                     <a:ext uri="{9D8B030D-6E8A-4147-A177-3AD203B41FA5}">
-                      <a16:colId xmlns:a16="http://schemas.microsoft.com/office/drawing/2014/main" val="20002"/>
+                      <a16:colId xmlns:a16="http://schemas.microsoft.com/office/drawing/2014/main" xmlns="" val="20002"/>
                     </a:ext>
                   </a:extLst>
                 </a:gridCol>
                 <a:gridCol w="862328">
                   <a:extLst>
                     <a:ext uri="{9D8B030D-6E8A-4147-A177-3AD203B41FA5}">
-                      <a16:colId xmlns:a16="http://schemas.microsoft.com/office/drawing/2014/main" val="20003"/>
+                      <a16:colId xmlns:a16="http://schemas.microsoft.com/office/drawing/2014/main" xmlns="" val="20003"/>
                     </a:ext>
                   </a:extLst>
                 </a:gridCol>
@@ -5321,7 +5338,7 @@
                 </a:tc>
                 <a:extLst>
                   <a:ext uri="{0D108BD9-81ED-4DB2-BD59-A6C34878D82A}">
-                    <a16:rowId xmlns:a16="http://schemas.microsoft.com/office/drawing/2014/main" val="10000"/>
+                    <a16:rowId xmlns:a16="http://schemas.microsoft.com/office/drawing/2014/main" xmlns="" val="10000"/>
                   </a:ext>
                 </a:extLst>
               </a:tr>
@@ -5333,9 +5350,10 @@
                     <a:p>
                       <a:pPr algn="ctr" rtl="0" fontAlgn="ctr"/>
                       <a:r>
-                        <a:rPr lang="en-US" altLang="ko-KR" sz="1000" dirty="0"/>
-                        <a:t>14.1</a:t>
-                      </a:r>
+                        <a:rPr lang="en-US" altLang="ko-KR" sz="1000" dirty="0" smtClean="0"/>
+                        <a:t>11.1</a:t>
+                      </a:r>
+                      <a:endParaRPr lang="en-US" altLang="ko-KR" sz="1000" dirty="0"/>
                     </a:p>
                   </a:txBody>
                   <a:tcPr marL="22860" marR="22860" marT="0" marB="0" anchor="ctr">
@@ -5526,7 +5544,7 @@
                 </a:tc>
                 <a:extLst>
                   <a:ext uri="{0D108BD9-81ED-4DB2-BD59-A6C34878D82A}">
-                    <a16:rowId xmlns:a16="http://schemas.microsoft.com/office/drawing/2014/main" val="10001"/>
+                    <a16:rowId xmlns:a16="http://schemas.microsoft.com/office/drawing/2014/main" xmlns="" val="10001"/>
                   </a:ext>
                 </a:extLst>
               </a:tr>
@@ -5538,9 +5556,10 @@
                     <a:p>
                       <a:pPr algn="ctr" rtl="0" fontAlgn="ctr"/>
                       <a:r>
-                        <a:rPr lang="en-US" altLang="ko-KR" sz="1000"/>
-                        <a:t>14.1.1</a:t>
-                      </a:r>
+                        <a:rPr lang="en-US" altLang="ko-KR" sz="1000" dirty="0" smtClean="0"/>
+                        <a:t>11.1.1</a:t>
+                      </a:r>
+                      <a:endParaRPr lang="en-US" altLang="ko-KR" sz="1000" dirty="0"/>
                     </a:p>
                   </a:txBody>
                   <a:tcPr marL="22860" marR="22860" marT="0" marB="0" anchor="ctr">
@@ -5719,7 +5738,7 @@
                 </a:tc>
                 <a:extLst>
                   <a:ext uri="{0D108BD9-81ED-4DB2-BD59-A6C34878D82A}">
-                    <a16:rowId xmlns:a16="http://schemas.microsoft.com/office/drawing/2014/main" val="10002"/>
+                    <a16:rowId xmlns:a16="http://schemas.microsoft.com/office/drawing/2014/main" xmlns="" val="10002"/>
                   </a:ext>
                 </a:extLst>
               </a:tr>
@@ -5731,9 +5750,10 @@
                     <a:p>
                       <a:pPr algn="ctr" rtl="0" fontAlgn="ctr"/>
                       <a:r>
-                        <a:rPr lang="en-US" altLang="ko-KR" sz="1000"/>
-                        <a:t>14.1.2</a:t>
-                      </a:r>
+                        <a:rPr lang="en-US" altLang="ko-KR" sz="1000" dirty="0" smtClean="0"/>
+                        <a:t>11.1.2</a:t>
+                      </a:r>
+                      <a:endParaRPr lang="en-US" altLang="ko-KR" sz="1000" dirty="0"/>
                     </a:p>
                   </a:txBody>
                   <a:tcPr marL="22860" marR="22860" marT="0" marB="0" anchor="ctr">
@@ -5912,7 +5932,7 @@
                 </a:tc>
                 <a:extLst>
                   <a:ext uri="{0D108BD9-81ED-4DB2-BD59-A6C34878D82A}">
-                    <a16:rowId xmlns:a16="http://schemas.microsoft.com/office/drawing/2014/main" val="10003"/>
+                    <a16:rowId xmlns:a16="http://schemas.microsoft.com/office/drawing/2014/main" xmlns="" val="10003"/>
                   </a:ext>
                 </a:extLst>
               </a:tr>
@@ -5924,9 +5944,10 @@
                     <a:p>
                       <a:pPr algn="ctr" rtl="0" fontAlgn="ctr"/>
                       <a:r>
-                        <a:rPr lang="en-US" altLang="ko-KR" sz="1000"/>
-                        <a:t>14.2</a:t>
-                      </a:r>
+                        <a:rPr lang="en-US" altLang="ko-KR" sz="1000" dirty="0" smtClean="0"/>
+                        <a:t>11.2</a:t>
+                      </a:r>
+                      <a:endParaRPr lang="en-US" altLang="ko-KR" sz="1000" dirty="0"/>
                     </a:p>
                   </a:txBody>
                   <a:tcPr marL="22860" marR="22860" marT="0" marB="0" anchor="ctr">
@@ -6113,7 +6134,7 @@
                 </a:tc>
                 <a:extLst>
                   <a:ext uri="{0D108BD9-81ED-4DB2-BD59-A6C34878D82A}">
-                    <a16:rowId xmlns:a16="http://schemas.microsoft.com/office/drawing/2014/main" val="10004"/>
+                    <a16:rowId xmlns:a16="http://schemas.microsoft.com/office/drawing/2014/main" xmlns="" val="10004"/>
                   </a:ext>
                 </a:extLst>
               </a:tr>
@@ -6125,9 +6146,10 @@
                     <a:p>
                       <a:pPr algn="ctr" rtl="0" fontAlgn="ctr"/>
                       <a:r>
-                        <a:rPr lang="en-US" altLang="ko-KR" sz="1000"/>
-                        <a:t>14.2.1</a:t>
-                      </a:r>
+                        <a:rPr lang="en-US" altLang="ko-KR" sz="1000" dirty="0" smtClean="0"/>
+                        <a:t>11.2.1</a:t>
+                      </a:r>
+                      <a:endParaRPr lang="en-US" altLang="ko-KR" sz="1000" dirty="0"/>
                     </a:p>
                   </a:txBody>
                   <a:tcPr marL="22860" marR="22860" marT="0" marB="0" anchor="ctr">
@@ -6306,7 +6328,7 @@
                 </a:tc>
                 <a:extLst>
                   <a:ext uri="{0D108BD9-81ED-4DB2-BD59-A6C34878D82A}">
-                    <a16:rowId xmlns:a16="http://schemas.microsoft.com/office/drawing/2014/main" val="10005"/>
+                    <a16:rowId xmlns:a16="http://schemas.microsoft.com/office/drawing/2014/main" xmlns="" val="10005"/>
                   </a:ext>
                 </a:extLst>
               </a:tr>
@@ -6318,9 +6340,10 @@
                     <a:p>
                       <a:pPr algn="ctr" rtl="0" fontAlgn="ctr"/>
                       <a:r>
-                        <a:rPr lang="en-US" altLang="ko-KR" sz="1000"/>
-                        <a:t>14.2.2</a:t>
-                      </a:r>
+                        <a:rPr lang="en-US" altLang="ko-KR" sz="1000" dirty="0" smtClean="0"/>
+                        <a:t>11.2.2</a:t>
+                      </a:r>
+                      <a:endParaRPr lang="en-US" altLang="ko-KR" sz="1000" dirty="0"/>
                     </a:p>
                   </a:txBody>
                   <a:tcPr marL="22860" marR="22860" marT="0" marB="0" anchor="ctr">
@@ -6495,7 +6518,7 @@
                 </a:tc>
                 <a:extLst>
                   <a:ext uri="{0D108BD9-81ED-4DB2-BD59-A6C34878D82A}">
-                    <a16:rowId xmlns:a16="http://schemas.microsoft.com/office/drawing/2014/main" val="10006"/>
+                    <a16:rowId xmlns:a16="http://schemas.microsoft.com/office/drawing/2014/main" xmlns="" val="10006"/>
                   </a:ext>
                 </a:extLst>
               </a:tr>
@@ -6592,7 +6615,7 @@
           <p:nvPr>
             <p:extLst>
               <p:ext uri="{D42A27DB-BD31-4B8C-83A1-F6EECF244321}">
-                <p14:modId xmlns:p14="http://schemas.microsoft.com/office/powerpoint/2010/main" val="3244364122"/>
+                <p14:modId xmlns:p14="http://schemas.microsoft.com/office/powerpoint/2010/main" xmlns="" val="3244364122"/>
               </p:ext>
             </p:extLst>
           </p:nvPr>
@@ -6611,28 +6634,28 @@
                 <a:gridCol w="990600">
                   <a:extLst>
                     <a:ext uri="{9D8B030D-6E8A-4147-A177-3AD203B41FA5}">
-                      <a16:colId xmlns:a16="http://schemas.microsoft.com/office/drawing/2014/main" val="20000"/>
+                      <a16:colId xmlns:a16="http://schemas.microsoft.com/office/drawing/2014/main" xmlns="" val="20000"/>
                     </a:ext>
                   </a:extLst>
                 </a:gridCol>
                 <a:gridCol w="5486400">
                   <a:extLst>
                     <a:ext uri="{9D8B030D-6E8A-4147-A177-3AD203B41FA5}">
-                      <a16:colId xmlns:a16="http://schemas.microsoft.com/office/drawing/2014/main" val="20001"/>
+                      <a16:colId xmlns:a16="http://schemas.microsoft.com/office/drawing/2014/main" xmlns="" val="20001"/>
                     </a:ext>
                   </a:extLst>
                 </a:gridCol>
                 <a:gridCol w="990600">
                   <a:extLst>
                     <a:ext uri="{9D8B030D-6E8A-4147-A177-3AD203B41FA5}">
-                      <a16:colId xmlns:a16="http://schemas.microsoft.com/office/drawing/2014/main" val="20002"/>
+                      <a16:colId xmlns:a16="http://schemas.microsoft.com/office/drawing/2014/main" xmlns="" val="20002"/>
                     </a:ext>
                   </a:extLst>
                 </a:gridCol>
                 <a:gridCol w="862328">
                   <a:extLst>
                     <a:ext uri="{9D8B030D-6E8A-4147-A177-3AD203B41FA5}">
-                      <a16:colId xmlns:a16="http://schemas.microsoft.com/office/drawing/2014/main" val="20003"/>
+                      <a16:colId xmlns:a16="http://schemas.microsoft.com/office/drawing/2014/main" xmlns="" val="20003"/>
                     </a:ext>
                   </a:extLst>
                 </a:gridCol>
@@ -6902,7 +6925,7 @@
                 </a:tc>
                 <a:extLst>
                   <a:ext uri="{0D108BD9-81ED-4DB2-BD59-A6C34878D82A}">
-                    <a16:rowId xmlns:a16="http://schemas.microsoft.com/office/drawing/2014/main" val="10000"/>
+                    <a16:rowId xmlns:a16="http://schemas.microsoft.com/office/drawing/2014/main" xmlns="" val="10000"/>
                   </a:ext>
                 </a:extLst>
               </a:tr>
@@ -6914,9 +6937,10 @@
                     <a:p>
                       <a:pPr algn="ctr" rtl="0" fontAlgn="ctr"/>
                       <a:r>
-                        <a:rPr lang="en-US" altLang="ko-KR" sz="1000" dirty="0"/>
-                        <a:t>15.1</a:t>
-                      </a:r>
+                        <a:rPr lang="en-US" altLang="ko-KR" sz="1000" dirty="0" smtClean="0"/>
+                        <a:t>12.1</a:t>
+                      </a:r>
+                      <a:endParaRPr lang="en-US" altLang="ko-KR" sz="1000" dirty="0"/>
                     </a:p>
                   </a:txBody>
                   <a:tcPr marL="22860" marR="22860" marT="0" marB="0" anchor="ctr">
@@ -7103,7 +7127,7 @@
                 </a:tc>
                 <a:extLst>
                   <a:ext uri="{0D108BD9-81ED-4DB2-BD59-A6C34878D82A}">
-                    <a16:rowId xmlns:a16="http://schemas.microsoft.com/office/drawing/2014/main" val="10001"/>
+                    <a16:rowId xmlns:a16="http://schemas.microsoft.com/office/drawing/2014/main" xmlns="" val="10001"/>
                   </a:ext>
                 </a:extLst>
               </a:tr>
@@ -7115,9 +7139,10 @@
                     <a:p>
                       <a:pPr algn="ctr" rtl="0" fontAlgn="ctr"/>
                       <a:r>
-                        <a:rPr lang="en-US" altLang="ko-KR" sz="1000"/>
-                        <a:t>15.1.1</a:t>
-                      </a:r>
+                        <a:rPr lang="en-US" altLang="ko-KR" sz="1000" dirty="0" smtClean="0"/>
+                        <a:t>12.1.1</a:t>
+                      </a:r>
+                      <a:endParaRPr lang="en-US" altLang="ko-KR" sz="1000" dirty="0"/>
                     </a:p>
                   </a:txBody>
                   <a:tcPr marL="22860" marR="22860" marT="0" marB="0" anchor="ctr">
@@ -7310,7 +7335,7 @@
                 </a:tc>
                 <a:extLst>
                   <a:ext uri="{0D108BD9-81ED-4DB2-BD59-A6C34878D82A}">
-                    <a16:rowId xmlns:a16="http://schemas.microsoft.com/office/drawing/2014/main" val="10002"/>
+                    <a16:rowId xmlns:a16="http://schemas.microsoft.com/office/drawing/2014/main" xmlns="" val="10002"/>
                   </a:ext>
                 </a:extLst>
               </a:tr>
@@ -7322,9 +7347,10 @@
                     <a:p>
                       <a:pPr algn="ctr" rtl="0" fontAlgn="ctr"/>
                       <a:r>
-                        <a:rPr lang="en-US" altLang="ko-KR" sz="1000"/>
-                        <a:t>15.2</a:t>
-                      </a:r>
+                        <a:rPr lang="en-US" altLang="ko-KR" sz="1000" dirty="0" smtClean="0"/>
+                        <a:t>12.2</a:t>
+                      </a:r>
+                      <a:endParaRPr lang="en-US" altLang="ko-KR" sz="1000" dirty="0"/>
                     </a:p>
                   </a:txBody>
                   <a:tcPr marL="22860" marR="22860" marT="0" marB="0" anchor="ctr">
@@ -7503,7 +7529,7 @@
                 </a:tc>
                 <a:extLst>
                   <a:ext uri="{0D108BD9-81ED-4DB2-BD59-A6C34878D82A}">
-                    <a16:rowId xmlns:a16="http://schemas.microsoft.com/office/drawing/2014/main" val="10003"/>
+                    <a16:rowId xmlns:a16="http://schemas.microsoft.com/office/drawing/2014/main" xmlns="" val="10003"/>
                   </a:ext>
                 </a:extLst>
               </a:tr>
@@ -7515,9 +7541,10 @@
                     <a:p>
                       <a:pPr algn="ctr" rtl="0" fontAlgn="ctr"/>
                       <a:r>
-                        <a:rPr lang="en-US" altLang="ko-KR" sz="1000" dirty="0"/>
-                        <a:t>15.2.1</a:t>
-                      </a:r>
+                        <a:rPr lang="en-US" altLang="ko-KR" sz="1000" dirty="0" smtClean="0"/>
+                        <a:t>12.2.1</a:t>
+                      </a:r>
+                      <a:endParaRPr lang="en-US" altLang="ko-KR" sz="1000" dirty="0"/>
                     </a:p>
                   </a:txBody>
                   <a:tcPr marL="22860" marR="22860" marT="0" marB="0" anchor="ctr">
@@ -7714,7 +7741,7 @@
                 </a:tc>
                 <a:extLst>
                   <a:ext uri="{0D108BD9-81ED-4DB2-BD59-A6C34878D82A}">
-                    <a16:rowId xmlns:a16="http://schemas.microsoft.com/office/drawing/2014/main" val="10005"/>
+                    <a16:rowId xmlns:a16="http://schemas.microsoft.com/office/drawing/2014/main" xmlns="" val="10005"/>
                   </a:ext>
                 </a:extLst>
               </a:tr>
@@ -7726,9 +7753,10 @@
                     <a:p>
                       <a:pPr algn="ctr" rtl="0" fontAlgn="ctr"/>
                       <a:r>
-                        <a:rPr lang="en-US" altLang="ko-KR" sz="1000"/>
-                        <a:t>15.3</a:t>
-                      </a:r>
+                        <a:rPr lang="en-US" altLang="ko-KR" sz="1000" dirty="0" smtClean="0"/>
+                        <a:t>12.3</a:t>
+                      </a:r>
+                      <a:endParaRPr lang="en-US" altLang="ko-KR" sz="1000" dirty="0"/>
                     </a:p>
                   </a:txBody>
                   <a:tcPr marL="22860" marR="22860" marT="0" marB="0" anchor="ctr">
@@ -7923,7 +7951,7 @@
                 </a:tc>
                 <a:extLst>
                   <a:ext uri="{0D108BD9-81ED-4DB2-BD59-A6C34878D82A}">
-                    <a16:rowId xmlns:a16="http://schemas.microsoft.com/office/drawing/2014/main" val="10006"/>
+                    <a16:rowId xmlns:a16="http://schemas.microsoft.com/office/drawing/2014/main" xmlns="" val="10006"/>
                   </a:ext>
                 </a:extLst>
               </a:tr>
@@ -7935,9 +7963,10 @@
                     <a:p>
                       <a:pPr algn="ctr" rtl="0" fontAlgn="ctr"/>
                       <a:r>
-                        <a:rPr lang="en-US" altLang="ko-KR" sz="1000"/>
-                        <a:t>15.3.1</a:t>
-                      </a:r>
+                        <a:rPr lang="en-US" altLang="ko-KR" sz="1000" dirty="0" smtClean="0"/>
+                        <a:t>12.3.1</a:t>
+                      </a:r>
+                      <a:endParaRPr lang="en-US" altLang="ko-KR" sz="1000" dirty="0"/>
                     </a:p>
                   </a:txBody>
                   <a:tcPr marL="22860" marR="22860" marT="0" marB="0" anchor="ctr">
@@ -8144,7 +8173,7 @@
                 </a:tc>
                 <a:extLst>
                   <a:ext uri="{0D108BD9-81ED-4DB2-BD59-A6C34878D82A}">
-                    <a16:rowId xmlns:a16="http://schemas.microsoft.com/office/drawing/2014/main" val="10007"/>
+                    <a16:rowId xmlns:a16="http://schemas.microsoft.com/office/drawing/2014/main" xmlns="" val="10007"/>
                   </a:ext>
                 </a:extLst>
               </a:tr>
@@ -8156,9 +8185,10 @@
                     <a:p>
                       <a:pPr algn="ctr" rtl="0" fontAlgn="ctr"/>
                       <a:r>
-                        <a:rPr lang="en-US" altLang="ko-KR" sz="1000"/>
-                        <a:t>15.3.2</a:t>
-                      </a:r>
+                        <a:rPr lang="en-US" altLang="ko-KR" sz="1000" dirty="0" smtClean="0"/>
+                        <a:t>12.3.2</a:t>
+                      </a:r>
+                      <a:endParaRPr lang="en-US" altLang="ko-KR" sz="1000" dirty="0"/>
                     </a:p>
                   </a:txBody>
                   <a:tcPr marL="22860" marR="22860" marT="0" marB="0" anchor="ctr">
@@ -8338,7 +8368,7 @@
                 </a:tc>
                 <a:extLst>
                   <a:ext uri="{0D108BD9-81ED-4DB2-BD59-A6C34878D82A}">
-                    <a16:rowId xmlns:a16="http://schemas.microsoft.com/office/drawing/2014/main" val="10008"/>
+                    <a16:rowId xmlns:a16="http://schemas.microsoft.com/office/drawing/2014/main" xmlns="" val="10008"/>
                   </a:ext>
                 </a:extLst>
               </a:tr>
@@ -8408,6 +8438,10 @@
               <a:rPr lang="en-US" sz="2000" b="1" spc="-5" dirty="0" err="1"/>
               <a:t>Nonfunctional_Security</a:t>
             </a:r>
+            <a:r>
+              <a:rPr lang="en-US" sz="2000" b="1" spc="-5" dirty="0"/>
+              <a:t/>
+            </a:r>
             <a:br>
               <a:rPr lang="en-US" sz="2000" b="1" spc="-5" dirty="0"/>
             </a:br>
@@ -8438,7 +8472,7 @@
           <p:nvPr>
             <p:extLst>
               <p:ext uri="{D42A27DB-BD31-4B8C-83A1-F6EECF244321}">
-                <p14:modId xmlns:p14="http://schemas.microsoft.com/office/powerpoint/2010/main" val="2011770559"/>
+                <p14:modId xmlns:p14="http://schemas.microsoft.com/office/powerpoint/2010/main" xmlns="" val="2011770559"/>
               </p:ext>
             </p:extLst>
           </p:nvPr>
@@ -8457,28 +8491,28 @@
                 <a:gridCol w="1023978">
                   <a:extLst>
                     <a:ext uri="{9D8B030D-6E8A-4147-A177-3AD203B41FA5}">
-                      <a16:colId xmlns:a16="http://schemas.microsoft.com/office/drawing/2014/main" val="20000"/>
+                      <a16:colId xmlns:a16="http://schemas.microsoft.com/office/drawing/2014/main" xmlns="" val="20000"/>
                     </a:ext>
                   </a:extLst>
                 </a:gridCol>
                 <a:gridCol w="5671261">
                   <a:extLst>
                     <a:ext uri="{9D8B030D-6E8A-4147-A177-3AD203B41FA5}">
-                      <a16:colId xmlns:a16="http://schemas.microsoft.com/office/drawing/2014/main" val="20001"/>
+                      <a16:colId xmlns:a16="http://schemas.microsoft.com/office/drawing/2014/main" xmlns="" val="20001"/>
                     </a:ext>
                   </a:extLst>
                 </a:gridCol>
                 <a:gridCol w="1023978">
                   <a:extLst>
                     <a:ext uri="{9D8B030D-6E8A-4147-A177-3AD203B41FA5}">
-                      <a16:colId xmlns:a16="http://schemas.microsoft.com/office/drawing/2014/main" val="20002"/>
+                      <a16:colId xmlns:a16="http://schemas.microsoft.com/office/drawing/2014/main" xmlns="" val="20002"/>
                     </a:ext>
                   </a:extLst>
                 </a:gridCol>
                 <a:gridCol w="891384">
                   <a:extLst>
                     <a:ext uri="{9D8B030D-6E8A-4147-A177-3AD203B41FA5}">
-                      <a16:colId xmlns:a16="http://schemas.microsoft.com/office/drawing/2014/main" val="20003"/>
+                      <a16:colId xmlns:a16="http://schemas.microsoft.com/office/drawing/2014/main" xmlns="" val="20003"/>
                     </a:ext>
                   </a:extLst>
                 </a:gridCol>
@@ -8748,7 +8782,7 @@
                 </a:tc>
                 <a:extLst>
                   <a:ext uri="{0D108BD9-81ED-4DB2-BD59-A6C34878D82A}">
-                    <a16:rowId xmlns:a16="http://schemas.microsoft.com/office/drawing/2014/main" val="10000"/>
+                    <a16:rowId xmlns:a16="http://schemas.microsoft.com/office/drawing/2014/main" xmlns="" val="10000"/>
                   </a:ext>
                 </a:extLst>
               </a:tr>
@@ -8760,9 +8794,10 @@
                     <a:p>
                       <a:pPr algn="ctr" rtl="0" fontAlgn="ctr"/>
                       <a:r>
-                        <a:rPr lang="en-US" altLang="ko-KR" sz="1000" dirty="0"/>
-                        <a:t>16.1</a:t>
-                      </a:r>
+                        <a:rPr lang="en-US" altLang="ko-KR" sz="1000" dirty="0" smtClean="0"/>
+                        <a:t>13.1</a:t>
+                      </a:r>
+                      <a:endParaRPr lang="en-US" altLang="ko-KR" sz="1000" dirty="0"/>
                     </a:p>
                   </a:txBody>
                   <a:tcPr marL="22860" marR="22860" marT="0" marB="0" anchor="ctr">
@@ -8941,7 +8976,7 @@
                 </a:tc>
                 <a:extLst>
                   <a:ext uri="{0D108BD9-81ED-4DB2-BD59-A6C34878D82A}">
-                    <a16:rowId xmlns:a16="http://schemas.microsoft.com/office/drawing/2014/main" val="10001"/>
+                    <a16:rowId xmlns:a16="http://schemas.microsoft.com/office/drawing/2014/main" xmlns="" val="10001"/>
                   </a:ext>
                 </a:extLst>
               </a:tr>
@@ -8953,9 +8988,10 @@
                     <a:p>
                       <a:pPr algn="ctr" rtl="0" fontAlgn="ctr"/>
                       <a:r>
-                        <a:rPr lang="en-US" altLang="ko-KR" sz="1000"/>
-                        <a:t>16.1.1</a:t>
-                      </a:r>
+                        <a:rPr lang="en-US" altLang="ko-KR" sz="1000" dirty="0" smtClean="0"/>
+                        <a:t>13.1.1</a:t>
+                      </a:r>
+                      <a:endParaRPr lang="en-US" altLang="ko-KR" sz="1000" dirty="0"/>
                     </a:p>
                   </a:txBody>
                   <a:tcPr marL="22860" marR="22860" marT="0" marB="0" anchor="ctr">
@@ -9134,7 +9170,7 @@
                 </a:tc>
                 <a:extLst>
                   <a:ext uri="{0D108BD9-81ED-4DB2-BD59-A6C34878D82A}">
-                    <a16:rowId xmlns:a16="http://schemas.microsoft.com/office/drawing/2014/main" val="10002"/>
+                    <a16:rowId xmlns:a16="http://schemas.microsoft.com/office/drawing/2014/main" xmlns="" val="10002"/>
                   </a:ext>
                 </a:extLst>
               </a:tr>
@@ -9146,9 +9182,10 @@
                     <a:p>
                       <a:pPr algn="ctr" rtl="0" fontAlgn="ctr"/>
                       <a:r>
-                        <a:rPr lang="en-US" altLang="ko-KR" sz="1000"/>
-                        <a:t>16.1.2</a:t>
-                      </a:r>
+                        <a:rPr lang="en-US" altLang="ko-KR" sz="1000" dirty="0" smtClean="0"/>
+                        <a:t>13.1.2</a:t>
+                      </a:r>
+                      <a:endParaRPr lang="en-US" altLang="ko-KR" sz="1000" dirty="0"/>
                     </a:p>
                   </a:txBody>
                   <a:tcPr marL="22860" marR="22860" marT="0" marB="0" anchor="ctr">
@@ -9327,7 +9364,7 @@
                 </a:tc>
                 <a:extLst>
                   <a:ext uri="{0D108BD9-81ED-4DB2-BD59-A6C34878D82A}">
-                    <a16:rowId xmlns:a16="http://schemas.microsoft.com/office/drawing/2014/main" val="10003"/>
+                    <a16:rowId xmlns:a16="http://schemas.microsoft.com/office/drawing/2014/main" xmlns="" val="10003"/>
                   </a:ext>
                 </a:extLst>
               </a:tr>
@@ -9339,9 +9376,10 @@
                     <a:p>
                       <a:pPr algn="ctr" rtl="0" fontAlgn="ctr"/>
                       <a:r>
-                        <a:rPr lang="en-US" altLang="ko-KR" sz="1000"/>
-                        <a:t>16.1.3</a:t>
-                      </a:r>
+                        <a:rPr lang="en-US" altLang="ko-KR" sz="1000" dirty="0" smtClean="0"/>
+                        <a:t>13.1.3</a:t>
+                      </a:r>
+                      <a:endParaRPr lang="en-US" altLang="ko-KR" sz="1000" dirty="0"/>
                     </a:p>
                   </a:txBody>
                   <a:tcPr marL="22860" marR="22860" marT="0" marB="0" anchor="ctr">
@@ -9524,7 +9562,7 @@
                 </a:tc>
                 <a:extLst>
                   <a:ext uri="{0D108BD9-81ED-4DB2-BD59-A6C34878D82A}">
-                    <a16:rowId xmlns:a16="http://schemas.microsoft.com/office/drawing/2014/main" val="10004"/>
+                    <a16:rowId xmlns:a16="http://schemas.microsoft.com/office/drawing/2014/main" xmlns="" val="10004"/>
                   </a:ext>
                 </a:extLst>
               </a:tr>
@@ -9536,9 +9574,10 @@
                     <a:p>
                       <a:pPr algn="ctr" rtl="0" fontAlgn="ctr"/>
                       <a:r>
-                        <a:rPr lang="en-US" altLang="ko-KR" sz="1000"/>
-                        <a:t>16.2</a:t>
-                      </a:r>
+                        <a:rPr lang="en-US" altLang="ko-KR" sz="1000" dirty="0" smtClean="0"/>
+                        <a:t>13.2</a:t>
+                      </a:r>
+                      <a:endParaRPr lang="en-US" altLang="ko-KR" sz="1000" dirty="0"/>
                     </a:p>
                   </a:txBody>
                   <a:tcPr marL="22860" marR="22860" marT="0" marB="0" anchor="ctr">
@@ -9717,7 +9756,7 @@
                 </a:tc>
                 <a:extLst>
                   <a:ext uri="{0D108BD9-81ED-4DB2-BD59-A6C34878D82A}">
-                    <a16:rowId xmlns:a16="http://schemas.microsoft.com/office/drawing/2014/main" val="10005"/>
+                    <a16:rowId xmlns:a16="http://schemas.microsoft.com/office/drawing/2014/main" xmlns="" val="10005"/>
                   </a:ext>
                 </a:extLst>
               </a:tr>
@@ -9729,9 +9768,10 @@
                     <a:p>
                       <a:pPr algn="ctr" rtl="0" fontAlgn="ctr"/>
                       <a:r>
-                        <a:rPr lang="en-US" altLang="ko-KR" sz="1000"/>
-                        <a:t>16.2.1</a:t>
-                      </a:r>
+                        <a:rPr lang="en-US" altLang="ko-KR" sz="1000" dirty="0" smtClean="0"/>
+                        <a:t>13.2.1</a:t>
+                      </a:r>
+                      <a:endParaRPr lang="en-US" altLang="ko-KR" sz="1000" dirty="0"/>
                     </a:p>
                   </a:txBody>
                   <a:tcPr marL="22860" marR="22860" marT="0" marB="0" anchor="ctr">
@@ -9914,7 +9954,7 @@
                 </a:tc>
                 <a:extLst>
                   <a:ext uri="{0D108BD9-81ED-4DB2-BD59-A6C34878D82A}">
-                    <a16:rowId xmlns:a16="http://schemas.microsoft.com/office/drawing/2014/main" val="10006"/>
+                    <a16:rowId xmlns:a16="http://schemas.microsoft.com/office/drawing/2014/main" xmlns="" val="10006"/>
                   </a:ext>
                 </a:extLst>
               </a:tr>
@@ -9926,9 +9966,10 @@
                     <a:p>
                       <a:pPr algn="ctr" rtl="0" fontAlgn="ctr"/>
                       <a:r>
-                        <a:rPr lang="en-US" altLang="ko-KR" sz="1000"/>
-                        <a:t>16.2.2</a:t>
-                      </a:r>
+                        <a:rPr lang="en-US" altLang="ko-KR" sz="1000" dirty="0" smtClean="0"/>
+                        <a:t>13.2.2</a:t>
+                      </a:r>
+                      <a:endParaRPr lang="en-US" altLang="ko-KR" sz="1000" dirty="0"/>
                     </a:p>
                   </a:txBody>
                   <a:tcPr marL="22860" marR="22860" marT="0" marB="0" anchor="ctr">
@@ -10109,7 +10150,7 @@
                 </a:tc>
                 <a:extLst>
                   <a:ext uri="{0D108BD9-81ED-4DB2-BD59-A6C34878D82A}">
-                    <a16:rowId xmlns:a16="http://schemas.microsoft.com/office/drawing/2014/main" val="10007"/>
+                    <a16:rowId xmlns:a16="http://schemas.microsoft.com/office/drawing/2014/main" xmlns="" val="10007"/>
                   </a:ext>
                 </a:extLst>
               </a:tr>
@@ -10121,9 +10162,10 @@
                     <a:p>
                       <a:pPr algn="ctr" rtl="0" fontAlgn="ctr"/>
                       <a:r>
-                        <a:rPr lang="en-US" altLang="ko-KR" sz="1000"/>
-                        <a:t>16.3</a:t>
-                      </a:r>
+                        <a:rPr lang="en-US" altLang="ko-KR" sz="1000" dirty="0" smtClean="0"/>
+                        <a:t>13.3</a:t>
+                      </a:r>
+                      <a:endParaRPr lang="en-US" altLang="ko-KR" sz="1000" dirty="0"/>
                     </a:p>
                   </a:txBody>
                   <a:tcPr marL="22860" marR="22860" marT="0" marB="0" anchor="ctr">
@@ -10317,7 +10359,7 @@
                 </a:tc>
                 <a:extLst>
                   <a:ext uri="{0D108BD9-81ED-4DB2-BD59-A6C34878D82A}">
-                    <a16:rowId xmlns:a16="http://schemas.microsoft.com/office/drawing/2014/main" val="10008"/>
+                    <a16:rowId xmlns:a16="http://schemas.microsoft.com/office/drawing/2014/main" xmlns="" val="10008"/>
                   </a:ext>
                 </a:extLst>
               </a:tr>
@@ -10329,9 +10371,10 @@
                     <a:p>
                       <a:pPr algn="ctr" rtl="0" fontAlgn="ctr"/>
                       <a:r>
-                        <a:rPr lang="en-US" altLang="ko-KR" sz="1000"/>
-                        <a:t>16.3.1</a:t>
-                      </a:r>
+                        <a:rPr lang="en-US" altLang="ko-KR" sz="1000" dirty="0" smtClean="0"/>
+                        <a:t>13.3.1</a:t>
+                      </a:r>
+                      <a:endParaRPr lang="en-US" altLang="ko-KR" sz="1000" dirty="0"/>
                     </a:p>
                   </a:txBody>
                   <a:tcPr marL="22860" marR="22860" marT="0" marB="0" anchor="ctr">
@@ -10533,7 +10576,7 @@
                 </a:tc>
                 <a:extLst>
                   <a:ext uri="{0D108BD9-81ED-4DB2-BD59-A6C34878D82A}">
-                    <a16:rowId xmlns:a16="http://schemas.microsoft.com/office/drawing/2014/main" val="10009"/>
+                    <a16:rowId xmlns:a16="http://schemas.microsoft.com/office/drawing/2014/main" xmlns="" val="10009"/>
                   </a:ext>
                 </a:extLst>
               </a:tr>
@@ -10545,9 +10588,10 @@
                     <a:p>
                       <a:pPr algn="ctr" rtl="0" fontAlgn="ctr"/>
                       <a:r>
-                        <a:rPr lang="en-US" altLang="ko-KR" sz="1000"/>
-                        <a:t>16.4</a:t>
-                      </a:r>
+                        <a:rPr lang="en-US" altLang="ko-KR" sz="1000" dirty="0" smtClean="0"/>
+                        <a:t>13.4</a:t>
+                      </a:r>
+                      <a:endParaRPr lang="en-US" altLang="ko-KR" sz="1000" dirty="0"/>
                     </a:p>
                   </a:txBody>
                   <a:tcPr marL="22860" marR="22860" marT="0" marB="0" anchor="ctr">
@@ -10749,7 +10793,7 @@
                 </a:tc>
                 <a:extLst>
                   <a:ext uri="{0D108BD9-81ED-4DB2-BD59-A6C34878D82A}">
-                    <a16:rowId xmlns:a16="http://schemas.microsoft.com/office/drawing/2014/main" val="10010"/>
+                    <a16:rowId xmlns:a16="http://schemas.microsoft.com/office/drawing/2014/main" xmlns="" val="10010"/>
                   </a:ext>
                 </a:extLst>
               </a:tr>
@@ -10761,9 +10805,10 @@
                     <a:p>
                       <a:pPr algn="ctr" rtl="0" fontAlgn="ctr"/>
                       <a:r>
-                        <a:rPr lang="en-US" altLang="ko-KR" sz="1000"/>
-                        <a:t>16.4.1</a:t>
-                      </a:r>
+                        <a:rPr lang="en-US" altLang="ko-KR" sz="1000" dirty="0" smtClean="0"/>
+                        <a:t>13.4.1</a:t>
+                      </a:r>
+                      <a:endParaRPr lang="en-US" altLang="ko-KR" sz="1000" dirty="0"/>
                     </a:p>
                   </a:txBody>
                   <a:tcPr marL="22860" marR="22860" marT="0" marB="0" anchor="ctr">
@@ -10952,7 +10997,7 @@
                 </a:tc>
                 <a:extLst>
                   <a:ext uri="{0D108BD9-81ED-4DB2-BD59-A6C34878D82A}">
-                    <a16:rowId xmlns:a16="http://schemas.microsoft.com/office/drawing/2014/main" val="10011"/>
+                    <a16:rowId xmlns:a16="http://schemas.microsoft.com/office/drawing/2014/main" xmlns="" val="10011"/>
                   </a:ext>
                 </a:extLst>
               </a:tr>
@@ -11049,7 +11094,7 @@
           <p:nvPr>
             <p:extLst>
               <p:ext uri="{D42A27DB-BD31-4B8C-83A1-F6EECF244321}">
-                <p14:modId xmlns:p14="http://schemas.microsoft.com/office/powerpoint/2010/main" val="3656562078"/>
+                <p14:modId xmlns:p14="http://schemas.microsoft.com/office/powerpoint/2010/main" xmlns="" val="3656562078"/>
               </p:ext>
             </p:extLst>
           </p:nvPr>
@@ -11068,28 +11113,28 @@
                 <a:gridCol w="990600">
                   <a:extLst>
                     <a:ext uri="{9D8B030D-6E8A-4147-A177-3AD203B41FA5}">
-                      <a16:colId xmlns:a16="http://schemas.microsoft.com/office/drawing/2014/main" val="20000"/>
+                      <a16:colId xmlns:a16="http://schemas.microsoft.com/office/drawing/2014/main" xmlns="" val="20000"/>
                     </a:ext>
                   </a:extLst>
                 </a:gridCol>
                 <a:gridCol w="5486400">
                   <a:extLst>
                     <a:ext uri="{9D8B030D-6E8A-4147-A177-3AD203B41FA5}">
-                      <a16:colId xmlns:a16="http://schemas.microsoft.com/office/drawing/2014/main" val="20001"/>
+                      <a16:colId xmlns:a16="http://schemas.microsoft.com/office/drawing/2014/main" xmlns="" val="20001"/>
                     </a:ext>
                   </a:extLst>
                 </a:gridCol>
                 <a:gridCol w="990600">
                   <a:extLst>
                     <a:ext uri="{9D8B030D-6E8A-4147-A177-3AD203B41FA5}">
-                      <a16:colId xmlns:a16="http://schemas.microsoft.com/office/drawing/2014/main" val="20002"/>
+                      <a16:colId xmlns:a16="http://schemas.microsoft.com/office/drawing/2014/main" xmlns="" val="20002"/>
                     </a:ext>
                   </a:extLst>
                 </a:gridCol>
                 <a:gridCol w="862328">
                   <a:extLst>
                     <a:ext uri="{9D8B030D-6E8A-4147-A177-3AD203B41FA5}">
-                      <a16:colId xmlns:a16="http://schemas.microsoft.com/office/drawing/2014/main" val="20003"/>
+                      <a16:colId xmlns:a16="http://schemas.microsoft.com/office/drawing/2014/main" xmlns="" val="20003"/>
                     </a:ext>
                   </a:extLst>
                 </a:gridCol>
@@ -11359,7 +11404,7 @@
                 </a:tc>
                 <a:extLst>
                   <a:ext uri="{0D108BD9-81ED-4DB2-BD59-A6C34878D82A}">
-                    <a16:rowId xmlns:a16="http://schemas.microsoft.com/office/drawing/2014/main" val="10000"/>
+                    <a16:rowId xmlns:a16="http://schemas.microsoft.com/office/drawing/2014/main" xmlns="" val="10000"/>
                   </a:ext>
                 </a:extLst>
               </a:tr>
@@ -11562,7 +11607,7 @@
                 </a:tc>
                 <a:extLst>
                   <a:ext uri="{0D108BD9-81ED-4DB2-BD59-A6C34878D82A}">
-                    <a16:rowId xmlns:a16="http://schemas.microsoft.com/office/drawing/2014/main" val="10001"/>
+                    <a16:rowId xmlns:a16="http://schemas.microsoft.com/office/drawing/2014/main" xmlns="" val="10001"/>
                   </a:ext>
                 </a:extLst>
               </a:tr>
@@ -11779,7 +11824,7 @@
                 </a:tc>
                 <a:extLst>
                   <a:ext uri="{0D108BD9-81ED-4DB2-BD59-A6C34878D82A}">
-                    <a16:rowId xmlns:a16="http://schemas.microsoft.com/office/drawing/2014/main" val="10002"/>
+                    <a16:rowId xmlns:a16="http://schemas.microsoft.com/office/drawing/2014/main" xmlns="" val="10002"/>
                   </a:ext>
                 </a:extLst>
               </a:tr>
@@ -11791,9 +11836,10 @@
                     <a:p>
                       <a:pPr algn="ctr" rtl="0" fontAlgn="ctr"/>
                       <a:r>
-                        <a:rPr lang="en-US" altLang="ko-KR" sz="1000" dirty="0"/>
-                        <a:t>2.1</a:t>
-                      </a:r>
+                        <a:rPr lang="en-US" altLang="ko-KR" sz="1000" dirty="0" smtClean="0"/>
+                        <a:t>1.3</a:t>
+                      </a:r>
+                      <a:endParaRPr lang="en-US" altLang="ko-KR" sz="1000" dirty="0"/>
                     </a:p>
                   </a:txBody>
                   <a:tcPr marL="22860" marR="22860" marT="0" marB="0" anchor="ctr">
@@ -12008,7 +12054,7 @@
                 </a:tc>
                 <a:extLst>
                   <a:ext uri="{0D108BD9-81ED-4DB2-BD59-A6C34878D82A}">
-                    <a16:rowId xmlns:a16="http://schemas.microsoft.com/office/drawing/2014/main" val="10003"/>
+                    <a16:rowId xmlns:a16="http://schemas.microsoft.com/office/drawing/2014/main" xmlns="" val="10003"/>
                   </a:ext>
                 </a:extLst>
               </a:tr>
@@ -12020,9 +12066,10 @@
                     <a:p>
                       <a:pPr algn="ctr" rtl="0" fontAlgn="ctr"/>
                       <a:r>
-                        <a:rPr lang="en-US" altLang="ko-KR" sz="1000" dirty="0"/>
-                        <a:t>3.1</a:t>
-                      </a:r>
+                        <a:rPr lang="en-US" altLang="ko-KR" sz="1000" dirty="0" smtClean="0"/>
+                        <a:t>1.4</a:t>
+                      </a:r>
+                      <a:endParaRPr lang="en-US" altLang="ko-KR" sz="1000" dirty="0"/>
                     </a:p>
                   </a:txBody>
                   <a:tcPr marL="22860" marR="22860" marT="0" marB="0" anchor="ctr">
@@ -12226,7 +12273,7 @@
                 </a:tc>
                 <a:extLst>
                   <a:ext uri="{0D108BD9-81ED-4DB2-BD59-A6C34878D82A}">
-                    <a16:rowId xmlns:a16="http://schemas.microsoft.com/office/drawing/2014/main" val="10004"/>
+                    <a16:rowId xmlns:a16="http://schemas.microsoft.com/office/drawing/2014/main" xmlns="" val="10004"/>
                   </a:ext>
                 </a:extLst>
               </a:tr>
@@ -12238,9 +12285,10 @@
                     <a:p>
                       <a:pPr algn="ctr" rtl="0" fontAlgn="ctr"/>
                       <a:r>
-                        <a:rPr lang="en-US" altLang="ko-KR" sz="1000" dirty="0"/>
-                        <a:t>4.1</a:t>
-                      </a:r>
+                        <a:rPr lang="en-US" altLang="ko-KR" sz="1000" dirty="0" smtClean="0"/>
+                        <a:t>1.5</a:t>
+                      </a:r>
+                      <a:endParaRPr lang="en-US" altLang="ko-KR" sz="1000" dirty="0"/>
                     </a:p>
                   </a:txBody>
                   <a:tcPr marL="22860" marR="22860" marT="0" marB="0" anchor="ctr">
@@ -12453,7 +12501,7 @@
                 </a:tc>
                 <a:extLst>
                   <a:ext uri="{0D108BD9-81ED-4DB2-BD59-A6C34878D82A}">
-                    <a16:rowId xmlns:a16="http://schemas.microsoft.com/office/drawing/2014/main" val="737996101"/>
+                    <a16:rowId xmlns:a16="http://schemas.microsoft.com/office/drawing/2014/main" xmlns="" val="737996101"/>
                   </a:ext>
                 </a:extLst>
               </a:tr>
@@ -12465,9 +12513,10 @@
                     <a:p>
                       <a:pPr algn="ctr" rtl="0" fontAlgn="ctr"/>
                       <a:r>
-                        <a:rPr lang="en-US" altLang="ko-KR" sz="1000" dirty="0"/>
-                        <a:t>5.1</a:t>
-                      </a:r>
+                        <a:rPr lang="en-US" altLang="ko-KR" sz="1000" dirty="0" smtClean="0"/>
+                        <a:t>1.6</a:t>
+                      </a:r>
+                      <a:endParaRPr lang="en-US" altLang="ko-KR" sz="1000" dirty="0"/>
                     </a:p>
                   </a:txBody>
                   <a:tcPr marL="22860" marR="22860" marT="0" marB="0" anchor="ctr">
@@ -12666,7 +12715,7 @@
                 </a:tc>
                 <a:extLst>
                   <a:ext uri="{0D108BD9-81ED-4DB2-BD59-A6C34878D82A}">
-                    <a16:rowId xmlns:a16="http://schemas.microsoft.com/office/drawing/2014/main" val="1572369660"/>
+                    <a16:rowId xmlns:a16="http://schemas.microsoft.com/office/drawing/2014/main" xmlns="" val="1572369660"/>
                   </a:ext>
                 </a:extLst>
               </a:tr>
@@ -12763,7 +12812,7 @@
           <p:nvPr>
             <p:extLst>
               <p:ext uri="{D42A27DB-BD31-4B8C-83A1-F6EECF244321}">
-                <p14:modId xmlns:p14="http://schemas.microsoft.com/office/powerpoint/2010/main" val="2711528094"/>
+                <p14:modId xmlns:p14="http://schemas.microsoft.com/office/powerpoint/2010/main" xmlns="" val="2711528094"/>
               </p:ext>
             </p:extLst>
           </p:nvPr>
@@ -12782,28 +12831,28 @@
                 <a:gridCol w="990600">
                   <a:extLst>
                     <a:ext uri="{9D8B030D-6E8A-4147-A177-3AD203B41FA5}">
-                      <a16:colId xmlns:a16="http://schemas.microsoft.com/office/drawing/2014/main" val="20000"/>
+                      <a16:colId xmlns:a16="http://schemas.microsoft.com/office/drawing/2014/main" xmlns="" val="20000"/>
                     </a:ext>
                   </a:extLst>
                 </a:gridCol>
                 <a:gridCol w="5486400">
                   <a:extLst>
                     <a:ext uri="{9D8B030D-6E8A-4147-A177-3AD203B41FA5}">
-                      <a16:colId xmlns:a16="http://schemas.microsoft.com/office/drawing/2014/main" val="20001"/>
+                      <a16:colId xmlns:a16="http://schemas.microsoft.com/office/drawing/2014/main" xmlns="" val="20001"/>
                     </a:ext>
                   </a:extLst>
                 </a:gridCol>
                 <a:gridCol w="990600">
                   <a:extLst>
                     <a:ext uri="{9D8B030D-6E8A-4147-A177-3AD203B41FA5}">
-                      <a16:colId xmlns:a16="http://schemas.microsoft.com/office/drawing/2014/main" val="20002"/>
+                      <a16:colId xmlns:a16="http://schemas.microsoft.com/office/drawing/2014/main" xmlns="" val="20002"/>
                     </a:ext>
                   </a:extLst>
                 </a:gridCol>
                 <a:gridCol w="862328">
                   <a:extLst>
                     <a:ext uri="{9D8B030D-6E8A-4147-A177-3AD203B41FA5}">
-                      <a16:colId xmlns:a16="http://schemas.microsoft.com/office/drawing/2014/main" val="20003"/>
+                      <a16:colId xmlns:a16="http://schemas.microsoft.com/office/drawing/2014/main" xmlns="" val="20003"/>
                     </a:ext>
                   </a:extLst>
                 </a:gridCol>
@@ -13073,7 +13122,7 @@
                 </a:tc>
                 <a:extLst>
                   <a:ext uri="{0D108BD9-81ED-4DB2-BD59-A6C34878D82A}">
-                    <a16:rowId xmlns:a16="http://schemas.microsoft.com/office/drawing/2014/main" val="10000"/>
+                    <a16:rowId xmlns:a16="http://schemas.microsoft.com/office/drawing/2014/main" xmlns="" val="10000"/>
                   </a:ext>
                 </a:extLst>
               </a:tr>
@@ -13085,9 +13134,10 @@
                     <a:p>
                       <a:pPr algn="ctr" rtl="0" fontAlgn="ctr"/>
                       <a:r>
-                        <a:rPr lang="en-US" altLang="ko-KR" sz="1000" dirty="0"/>
-                        <a:t>5.1</a:t>
-                      </a:r>
+                        <a:rPr lang="en-US" altLang="ko-KR" sz="1000" dirty="0" smtClean="0"/>
+                        <a:t>2.1</a:t>
+                      </a:r>
+                      <a:endParaRPr lang="en-US" altLang="ko-KR" sz="1000" dirty="0"/>
                     </a:p>
                   </a:txBody>
                   <a:tcPr marL="22860" marR="22860" marT="0" marB="0" anchor="ctr">
@@ -13266,7 +13316,7 @@
                 </a:tc>
                 <a:extLst>
                   <a:ext uri="{0D108BD9-81ED-4DB2-BD59-A6C34878D82A}">
-                    <a16:rowId xmlns:a16="http://schemas.microsoft.com/office/drawing/2014/main" val="10001"/>
+                    <a16:rowId xmlns:a16="http://schemas.microsoft.com/office/drawing/2014/main" xmlns="" val="10001"/>
                   </a:ext>
                 </a:extLst>
               </a:tr>
@@ -13278,9 +13328,14 @@
                     <a:p>
                       <a:pPr algn="ctr" rtl="0" fontAlgn="ctr"/>
                       <a:r>
-                        <a:rPr lang="en-US" altLang="ko-KR" sz="1000"/>
-                        <a:t>5.2</a:t>
-                      </a:r>
+                        <a:rPr lang="en-US" altLang="ko-KR" sz="1000" dirty="0"/>
+                        <a:t>2</a:t>
+                      </a:r>
+                      <a:r>
+                        <a:rPr lang="en-US" altLang="ko-KR" sz="1000" dirty="0" smtClean="0"/>
+                        <a:t>.2</a:t>
+                      </a:r>
+                      <a:endParaRPr lang="en-US" altLang="ko-KR" sz="1000" dirty="0"/>
                     </a:p>
                   </a:txBody>
                   <a:tcPr marL="22860" marR="22860" marT="0" marB="0" anchor="ctr">
@@ -13467,7 +13522,7 @@
                 </a:tc>
                 <a:extLst>
                   <a:ext uri="{0D108BD9-81ED-4DB2-BD59-A6C34878D82A}">
-                    <a16:rowId xmlns:a16="http://schemas.microsoft.com/office/drawing/2014/main" val="10002"/>
+                    <a16:rowId xmlns:a16="http://schemas.microsoft.com/office/drawing/2014/main" xmlns="" val="10002"/>
                   </a:ext>
                 </a:extLst>
               </a:tr>
@@ -13479,9 +13534,14 @@
                     <a:p>
                       <a:pPr algn="ctr" rtl="0" fontAlgn="ctr"/>
                       <a:r>
-                        <a:rPr lang="en-US" altLang="ko-KR" sz="1000"/>
-                        <a:t>5.3</a:t>
-                      </a:r>
+                        <a:rPr lang="en-US" altLang="ko-KR" sz="1000" dirty="0"/>
+                        <a:t>2</a:t>
+                      </a:r>
+                      <a:r>
+                        <a:rPr lang="en-US" altLang="ko-KR" sz="1000" dirty="0" smtClean="0"/>
+                        <a:t>.3</a:t>
+                      </a:r>
+                      <a:endParaRPr lang="en-US" altLang="ko-KR" sz="1000" dirty="0"/>
                     </a:p>
                   </a:txBody>
                   <a:tcPr marL="22860" marR="22860" marT="0" marB="0" anchor="ctr">
@@ -13676,7 +13736,7 @@
                 </a:tc>
                 <a:extLst>
                   <a:ext uri="{0D108BD9-81ED-4DB2-BD59-A6C34878D82A}">
-                    <a16:rowId xmlns:a16="http://schemas.microsoft.com/office/drawing/2014/main" val="10003"/>
+                    <a16:rowId xmlns:a16="http://schemas.microsoft.com/office/drawing/2014/main" xmlns="" val="10003"/>
                   </a:ext>
                 </a:extLst>
               </a:tr>
@@ -13688,9 +13748,14 @@
                     <a:p>
                       <a:pPr algn="ctr" rtl="0" fontAlgn="ctr"/>
                       <a:r>
-                        <a:rPr lang="en-US" altLang="ko-KR" sz="1000"/>
-                        <a:t>5.4</a:t>
-                      </a:r>
+                        <a:rPr lang="en-US" altLang="ko-KR" sz="1000" dirty="0"/>
+                        <a:t>2</a:t>
+                      </a:r>
+                      <a:r>
+                        <a:rPr lang="en-US" altLang="ko-KR" sz="1000" dirty="0" smtClean="0"/>
+                        <a:t>.4</a:t>
+                      </a:r>
+                      <a:endParaRPr lang="en-US" altLang="ko-KR" sz="1000" dirty="0"/>
                     </a:p>
                   </a:txBody>
                   <a:tcPr marL="22860" marR="22860" marT="0" marB="0" anchor="ctr">
@@ -13893,7 +13958,7 @@
                 </a:tc>
                 <a:extLst>
                   <a:ext uri="{0D108BD9-81ED-4DB2-BD59-A6C34878D82A}">
-                    <a16:rowId xmlns:a16="http://schemas.microsoft.com/office/drawing/2014/main" val="10004"/>
+                    <a16:rowId xmlns:a16="http://schemas.microsoft.com/office/drawing/2014/main" xmlns="" val="10004"/>
                   </a:ext>
                 </a:extLst>
               </a:tr>
@@ -13905,9 +13970,14 @@
                     <a:p>
                       <a:pPr algn="ctr" rtl="0" fontAlgn="ctr"/>
                       <a:r>
-                        <a:rPr lang="en-US" altLang="ko-KR" sz="1000"/>
-                        <a:t>5.5</a:t>
-                      </a:r>
+                        <a:rPr lang="en-US" altLang="ko-KR" sz="1000" dirty="0"/>
+                        <a:t>2</a:t>
+                      </a:r>
+                      <a:r>
+                        <a:rPr lang="en-US" altLang="ko-KR" sz="1000" dirty="0" smtClean="0"/>
+                        <a:t>.5</a:t>
+                      </a:r>
+                      <a:endParaRPr lang="en-US" altLang="ko-KR" sz="1000" dirty="0"/>
                     </a:p>
                   </a:txBody>
                   <a:tcPr marL="22860" marR="22860" marT="0" marB="0" anchor="ctr">
@@ -14086,7 +14156,7 @@
                 </a:tc>
                 <a:extLst>
                   <a:ext uri="{0D108BD9-81ED-4DB2-BD59-A6C34878D82A}">
-                    <a16:rowId xmlns:a16="http://schemas.microsoft.com/office/drawing/2014/main" val="10005"/>
+                    <a16:rowId xmlns:a16="http://schemas.microsoft.com/office/drawing/2014/main" xmlns="" val="10005"/>
                   </a:ext>
                 </a:extLst>
               </a:tr>
@@ -14183,7 +14253,7 @@
           <p:nvPr>
             <p:extLst>
               <p:ext uri="{D42A27DB-BD31-4B8C-83A1-F6EECF244321}">
-                <p14:modId xmlns:p14="http://schemas.microsoft.com/office/powerpoint/2010/main" val="1298865229"/>
+                <p14:modId xmlns:p14="http://schemas.microsoft.com/office/powerpoint/2010/main" xmlns="" val="1298865229"/>
               </p:ext>
             </p:extLst>
           </p:nvPr>
@@ -14202,28 +14272,28 @@
                 <a:gridCol w="990600">
                   <a:extLst>
                     <a:ext uri="{9D8B030D-6E8A-4147-A177-3AD203B41FA5}">
-                      <a16:colId xmlns:a16="http://schemas.microsoft.com/office/drawing/2014/main" val="20000"/>
+                      <a16:colId xmlns:a16="http://schemas.microsoft.com/office/drawing/2014/main" xmlns="" val="20000"/>
                     </a:ext>
                   </a:extLst>
                 </a:gridCol>
                 <a:gridCol w="5486400">
                   <a:extLst>
                     <a:ext uri="{9D8B030D-6E8A-4147-A177-3AD203B41FA5}">
-                      <a16:colId xmlns:a16="http://schemas.microsoft.com/office/drawing/2014/main" val="20001"/>
+                      <a16:colId xmlns:a16="http://schemas.microsoft.com/office/drawing/2014/main" xmlns="" val="20001"/>
                     </a:ext>
                   </a:extLst>
                 </a:gridCol>
                 <a:gridCol w="990600">
                   <a:extLst>
                     <a:ext uri="{9D8B030D-6E8A-4147-A177-3AD203B41FA5}">
-                      <a16:colId xmlns:a16="http://schemas.microsoft.com/office/drawing/2014/main" val="20002"/>
+                      <a16:colId xmlns:a16="http://schemas.microsoft.com/office/drawing/2014/main" xmlns="" val="20002"/>
                     </a:ext>
                   </a:extLst>
                 </a:gridCol>
                 <a:gridCol w="862328">
                   <a:extLst>
                     <a:ext uri="{9D8B030D-6E8A-4147-A177-3AD203B41FA5}">
-                      <a16:colId xmlns:a16="http://schemas.microsoft.com/office/drawing/2014/main" val="20003"/>
+                      <a16:colId xmlns:a16="http://schemas.microsoft.com/office/drawing/2014/main" xmlns="" val="20003"/>
                     </a:ext>
                   </a:extLst>
                 </a:gridCol>
@@ -14493,7 +14563,7 @@
                 </a:tc>
                 <a:extLst>
                   <a:ext uri="{0D108BD9-81ED-4DB2-BD59-A6C34878D82A}">
-                    <a16:rowId xmlns:a16="http://schemas.microsoft.com/office/drawing/2014/main" val="10000"/>
+                    <a16:rowId xmlns:a16="http://schemas.microsoft.com/office/drawing/2014/main" xmlns="" val="10000"/>
                   </a:ext>
                 </a:extLst>
               </a:tr>
@@ -14506,8 +14576,13 @@
                       <a:pPr algn="ctr" rtl="0" fontAlgn="ctr"/>
                       <a:r>
                         <a:rPr lang="en-US" altLang="ko-KR" sz="1000" dirty="0"/>
-                        <a:t>6.1</a:t>
-                      </a:r>
+                        <a:t>3</a:t>
+                      </a:r>
+                      <a:r>
+                        <a:rPr lang="en-US" altLang="ko-KR" sz="1000" dirty="0" smtClean="0"/>
+                        <a:t>.1</a:t>
+                      </a:r>
+                      <a:endParaRPr lang="en-US" altLang="ko-KR" sz="1000" dirty="0"/>
                     </a:p>
                   </a:txBody>
                   <a:tcPr marL="22860" marR="22860" marT="0" marB="0" anchor="ctr">
@@ -14686,7 +14761,7 @@
                 </a:tc>
                 <a:extLst>
                   <a:ext uri="{0D108BD9-81ED-4DB2-BD59-A6C34878D82A}">
-                    <a16:rowId xmlns:a16="http://schemas.microsoft.com/office/drawing/2014/main" val="10001"/>
+                    <a16:rowId xmlns:a16="http://schemas.microsoft.com/office/drawing/2014/main" xmlns="" val="10001"/>
                   </a:ext>
                 </a:extLst>
               </a:tr>
@@ -14698,9 +14773,14 @@
                     <a:p>
                       <a:pPr algn="ctr" rtl="0" fontAlgn="ctr"/>
                       <a:r>
-                        <a:rPr lang="en-US" altLang="ko-KR" sz="1000"/>
-                        <a:t>6.2</a:t>
-                      </a:r>
+                        <a:rPr lang="en-US" altLang="ko-KR" sz="1000" dirty="0"/>
+                        <a:t>3</a:t>
+                      </a:r>
+                      <a:r>
+                        <a:rPr lang="en-US" altLang="ko-KR" sz="1000" dirty="0" smtClean="0"/>
+                        <a:t>.2</a:t>
+                      </a:r>
+                      <a:endParaRPr lang="en-US" altLang="ko-KR" sz="1000" dirty="0"/>
                     </a:p>
                   </a:txBody>
                   <a:tcPr marL="22860" marR="22860" marT="0" marB="0" anchor="ctr">
@@ -14887,7 +14967,7 @@
                 </a:tc>
                 <a:extLst>
                   <a:ext uri="{0D108BD9-81ED-4DB2-BD59-A6C34878D82A}">
-                    <a16:rowId xmlns:a16="http://schemas.microsoft.com/office/drawing/2014/main" val="10002"/>
+                    <a16:rowId xmlns:a16="http://schemas.microsoft.com/office/drawing/2014/main" xmlns="" val="10002"/>
                   </a:ext>
                 </a:extLst>
               </a:tr>
@@ -14899,9 +14979,14 @@
                     <a:p>
                       <a:pPr algn="ctr" rtl="0" fontAlgn="ctr"/>
                       <a:r>
-                        <a:rPr lang="en-US" altLang="ko-KR" sz="1000"/>
-                        <a:t>6.3</a:t>
-                      </a:r>
+                        <a:rPr lang="en-US" altLang="ko-KR" sz="1000" dirty="0"/>
+                        <a:t>3</a:t>
+                      </a:r>
+                      <a:r>
+                        <a:rPr lang="en-US" altLang="ko-KR" sz="1000" dirty="0" smtClean="0"/>
+                        <a:t>.3</a:t>
+                      </a:r>
+                      <a:endParaRPr lang="en-US" altLang="ko-KR" sz="1000" dirty="0"/>
                     </a:p>
                   </a:txBody>
                   <a:tcPr marL="22860" marR="22860" marT="0" marB="0" anchor="ctr">
@@ -15088,7 +15173,7 @@
                 </a:tc>
                 <a:extLst>
                   <a:ext uri="{0D108BD9-81ED-4DB2-BD59-A6C34878D82A}">
-                    <a16:rowId xmlns:a16="http://schemas.microsoft.com/office/drawing/2014/main" val="10003"/>
+                    <a16:rowId xmlns:a16="http://schemas.microsoft.com/office/drawing/2014/main" xmlns="" val="10003"/>
                   </a:ext>
                 </a:extLst>
               </a:tr>
@@ -15100,9 +15185,14 @@
                     <a:p>
                       <a:pPr algn="ctr" rtl="0" fontAlgn="ctr"/>
                       <a:r>
-                        <a:rPr lang="en-US" altLang="ko-KR" sz="1000"/>
-                        <a:t>6.4</a:t>
-                      </a:r>
+                        <a:rPr lang="en-US" altLang="ko-KR" sz="1000" dirty="0"/>
+                        <a:t>3</a:t>
+                      </a:r>
+                      <a:r>
+                        <a:rPr lang="en-US" altLang="ko-KR" sz="1000" dirty="0" smtClean="0"/>
+                        <a:t>.4</a:t>
+                      </a:r>
+                      <a:endParaRPr lang="en-US" altLang="ko-KR" sz="1000" dirty="0"/>
                     </a:p>
                   </a:txBody>
                   <a:tcPr marL="22860" marR="22860" marT="0" marB="0" anchor="ctr">
@@ -15293,7 +15383,7 @@
                 </a:tc>
                 <a:extLst>
                   <a:ext uri="{0D108BD9-81ED-4DB2-BD59-A6C34878D82A}">
-                    <a16:rowId xmlns:a16="http://schemas.microsoft.com/office/drawing/2014/main" val="10004"/>
+                    <a16:rowId xmlns:a16="http://schemas.microsoft.com/office/drawing/2014/main" xmlns="" val="10004"/>
                   </a:ext>
                 </a:extLst>
               </a:tr>
@@ -15390,7 +15480,7 @@
           <p:nvPr>
             <p:extLst>
               <p:ext uri="{D42A27DB-BD31-4B8C-83A1-F6EECF244321}">
-                <p14:modId xmlns:p14="http://schemas.microsoft.com/office/powerpoint/2010/main" val="2811798210"/>
+                <p14:modId xmlns:p14="http://schemas.microsoft.com/office/powerpoint/2010/main" xmlns="" val="2811798210"/>
               </p:ext>
             </p:extLst>
           </p:nvPr>
@@ -15409,28 +15499,28 @@
                 <a:gridCol w="990600">
                   <a:extLst>
                     <a:ext uri="{9D8B030D-6E8A-4147-A177-3AD203B41FA5}">
-                      <a16:colId xmlns:a16="http://schemas.microsoft.com/office/drawing/2014/main" val="20000"/>
+                      <a16:colId xmlns:a16="http://schemas.microsoft.com/office/drawing/2014/main" xmlns="" val="20000"/>
                     </a:ext>
                   </a:extLst>
                 </a:gridCol>
                 <a:gridCol w="5486400">
                   <a:extLst>
                     <a:ext uri="{9D8B030D-6E8A-4147-A177-3AD203B41FA5}">
-                      <a16:colId xmlns:a16="http://schemas.microsoft.com/office/drawing/2014/main" val="20001"/>
+                      <a16:colId xmlns:a16="http://schemas.microsoft.com/office/drawing/2014/main" xmlns="" val="20001"/>
                     </a:ext>
                   </a:extLst>
                 </a:gridCol>
                 <a:gridCol w="990600">
                   <a:extLst>
                     <a:ext uri="{9D8B030D-6E8A-4147-A177-3AD203B41FA5}">
-                      <a16:colId xmlns:a16="http://schemas.microsoft.com/office/drawing/2014/main" val="20002"/>
+                      <a16:colId xmlns:a16="http://schemas.microsoft.com/office/drawing/2014/main" xmlns="" val="20002"/>
                     </a:ext>
                   </a:extLst>
                 </a:gridCol>
                 <a:gridCol w="862328">
                   <a:extLst>
                     <a:ext uri="{9D8B030D-6E8A-4147-A177-3AD203B41FA5}">
-                      <a16:colId xmlns:a16="http://schemas.microsoft.com/office/drawing/2014/main" val="20003"/>
+                      <a16:colId xmlns:a16="http://schemas.microsoft.com/office/drawing/2014/main" xmlns="" val="20003"/>
                     </a:ext>
                   </a:extLst>
                 </a:gridCol>
@@ -15700,7 +15790,7 @@
                 </a:tc>
                 <a:extLst>
                   <a:ext uri="{0D108BD9-81ED-4DB2-BD59-A6C34878D82A}">
-                    <a16:rowId xmlns:a16="http://schemas.microsoft.com/office/drawing/2014/main" val="10000"/>
+                    <a16:rowId xmlns:a16="http://schemas.microsoft.com/office/drawing/2014/main" xmlns="" val="10000"/>
                   </a:ext>
                 </a:extLst>
               </a:tr>
@@ -15712,9 +15802,10 @@
                     <a:p>
                       <a:pPr algn="ctr" rtl="0" fontAlgn="ctr"/>
                       <a:r>
-                        <a:rPr lang="en-US" altLang="ko-KR" sz="1000" dirty="0"/>
-                        <a:t>7.1</a:t>
-                      </a:r>
+                        <a:rPr lang="en-US" altLang="ko-KR" sz="1000" dirty="0" smtClean="0"/>
+                        <a:t>4.1</a:t>
+                      </a:r>
+                      <a:endParaRPr lang="en-US" altLang="ko-KR" sz="1000" dirty="0"/>
                     </a:p>
                   </a:txBody>
                   <a:tcPr marL="22860" marR="22860" marT="0" marB="0" anchor="ctr">
@@ -15901,7 +15992,7 @@
                 </a:tc>
                 <a:extLst>
                   <a:ext uri="{0D108BD9-81ED-4DB2-BD59-A6C34878D82A}">
-                    <a16:rowId xmlns:a16="http://schemas.microsoft.com/office/drawing/2014/main" val="10001"/>
+                    <a16:rowId xmlns:a16="http://schemas.microsoft.com/office/drawing/2014/main" xmlns="" val="10001"/>
                   </a:ext>
                 </a:extLst>
               </a:tr>
@@ -15913,9 +16004,14 @@
                     <a:p>
                       <a:pPr algn="ctr" rtl="0" fontAlgn="ctr"/>
                       <a:r>
-                        <a:rPr lang="en-US" altLang="ko-KR" sz="1000"/>
-                        <a:t>7.2</a:t>
-                      </a:r>
+                        <a:rPr lang="en-US" altLang="ko-KR" sz="1000" dirty="0"/>
+                        <a:t>4</a:t>
+                      </a:r>
+                      <a:r>
+                        <a:rPr lang="en-US" altLang="ko-KR" sz="1000" dirty="0" smtClean="0"/>
+                        <a:t>.2</a:t>
+                      </a:r>
+                      <a:endParaRPr lang="en-US" altLang="ko-KR" sz="1000" dirty="0"/>
                     </a:p>
                   </a:txBody>
                   <a:tcPr marL="22860" marR="22860" marT="0" marB="0" anchor="ctr">
@@ -16102,7 +16198,7 @@
                 </a:tc>
                 <a:extLst>
                   <a:ext uri="{0D108BD9-81ED-4DB2-BD59-A6C34878D82A}">
-                    <a16:rowId xmlns:a16="http://schemas.microsoft.com/office/drawing/2014/main" val="10002"/>
+                    <a16:rowId xmlns:a16="http://schemas.microsoft.com/office/drawing/2014/main" xmlns="" val="10002"/>
                   </a:ext>
                 </a:extLst>
               </a:tr>
@@ -16114,9 +16210,14 @@
                     <a:p>
                       <a:pPr algn="ctr" rtl="0" fontAlgn="ctr"/>
                       <a:r>
-                        <a:rPr lang="en-US" altLang="ko-KR" sz="1000"/>
-                        <a:t>7.3</a:t>
-                      </a:r>
+                        <a:rPr lang="en-US" altLang="ko-KR" sz="1000" dirty="0"/>
+                        <a:t>4</a:t>
+                      </a:r>
+                      <a:r>
+                        <a:rPr lang="en-US" altLang="ko-KR" sz="1000" dirty="0" smtClean="0"/>
+                        <a:t>.3</a:t>
+                      </a:r>
+                      <a:endParaRPr lang="en-US" altLang="ko-KR" sz="1000" dirty="0"/>
                     </a:p>
                   </a:txBody>
                   <a:tcPr marL="22860" marR="22860" marT="0" marB="0" anchor="ctr">
@@ -16295,7 +16396,7 @@
                 </a:tc>
                 <a:extLst>
                   <a:ext uri="{0D108BD9-81ED-4DB2-BD59-A6C34878D82A}">
-                    <a16:rowId xmlns:a16="http://schemas.microsoft.com/office/drawing/2014/main" val="10003"/>
+                    <a16:rowId xmlns:a16="http://schemas.microsoft.com/office/drawing/2014/main" xmlns="" val="10003"/>
                   </a:ext>
                 </a:extLst>
               </a:tr>
@@ -16307,9 +16408,14 @@
                     <a:p>
                       <a:pPr algn="ctr" rtl="0" fontAlgn="ctr"/>
                       <a:r>
-                        <a:rPr lang="en-US" altLang="ko-KR" sz="1000"/>
-                        <a:t>7.4</a:t>
-                      </a:r>
+                        <a:rPr lang="en-US" altLang="ko-KR" sz="1000" dirty="0"/>
+                        <a:t>4</a:t>
+                      </a:r>
+                      <a:r>
+                        <a:rPr lang="en-US" altLang="ko-KR" sz="1000" dirty="0" smtClean="0"/>
+                        <a:t>.4</a:t>
+                      </a:r>
+                      <a:endParaRPr lang="en-US" altLang="ko-KR" sz="1000" dirty="0"/>
                     </a:p>
                   </a:txBody>
                   <a:tcPr marL="22860" marR="22860" marT="0" marB="0" anchor="ctr">
@@ -16496,7 +16602,7 @@
                 </a:tc>
                 <a:extLst>
                   <a:ext uri="{0D108BD9-81ED-4DB2-BD59-A6C34878D82A}">
-                    <a16:rowId xmlns:a16="http://schemas.microsoft.com/office/drawing/2014/main" val="10004"/>
+                    <a16:rowId xmlns:a16="http://schemas.microsoft.com/office/drawing/2014/main" xmlns="" val="10004"/>
                   </a:ext>
                 </a:extLst>
               </a:tr>
@@ -16593,7 +16699,7 @@
           <p:nvPr>
             <p:extLst>
               <p:ext uri="{D42A27DB-BD31-4B8C-83A1-F6EECF244321}">
-                <p14:modId xmlns:p14="http://schemas.microsoft.com/office/powerpoint/2010/main" val="853189004"/>
+                <p14:modId xmlns:p14="http://schemas.microsoft.com/office/powerpoint/2010/main" xmlns="" val="853189004"/>
               </p:ext>
             </p:extLst>
           </p:nvPr>
@@ -16612,28 +16718,28 @@
                 <a:gridCol w="990600">
                   <a:extLst>
                     <a:ext uri="{9D8B030D-6E8A-4147-A177-3AD203B41FA5}">
-                      <a16:colId xmlns:a16="http://schemas.microsoft.com/office/drawing/2014/main" val="20000"/>
+                      <a16:colId xmlns:a16="http://schemas.microsoft.com/office/drawing/2014/main" xmlns="" val="20000"/>
                     </a:ext>
                   </a:extLst>
                 </a:gridCol>
                 <a:gridCol w="5486400">
                   <a:extLst>
                     <a:ext uri="{9D8B030D-6E8A-4147-A177-3AD203B41FA5}">
-                      <a16:colId xmlns:a16="http://schemas.microsoft.com/office/drawing/2014/main" val="20001"/>
+                      <a16:colId xmlns:a16="http://schemas.microsoft.com/office/drawing/2014/main" xmlns="" val="20001"/>
                     </a:ext>
                   </a:extLst>
                 </a:gridCol>
                 <a:gridCol w="990600">
                   <a:extLst>
                     <a:ext uri="{9D8B030D-6E8A-4147-A177-3AD203B41FA5}">
-                      <a16:colId xmlns:a16="http://schemas.microsoft.com/office/drawing/2014/main" val="20002"/>
+                      <a16:colId xmlns:a16="http://schemas.microsoft.com/office/drawing/2014/main" xmlns="" val="20002"/>
                     </a:ext>
                   </a:extLst>
                 </a:gridCol>
                 <a:gridCol w="862328">
                   <a:extLst>
                     <a:ext uri="{9D8B030D-6E8A-4147-A177-3AD203B41FA5}">
-                      <a16:colId xmlns:a16="http://schemas.microsoft.com/office/drawing/2014/main" val="20003"/>
+                      <a16:colId xmlns:a16="http://schemas.microsoft.com/office/drawing/2014/main" xmlns="" val="20003"/>
                     </a:ext>
                   </a:extLst>
                 </a:gridCol>
@@ -16903,7 +17009,7 @@
                 </a:tc>
                 <a:extLst>
                   <a:ext uri="{0D108BD9-81ED-4DB2-BD59-A6C34878D82A}">
-                    <a16:rowId xmlns:a16="http://schemas.microsoft.com/office/drawing/2014/main" val="10000"/>
+                    <a16:rowId xmlns:a16="http://schemas.microsoft.com/office/drawing/2014/main" xmlns="" val="10000"/>
                   </a:ext>
                 </a:extLst>
               </a:tr>
@@ -16915,9 +17021,10 @@
                     <a:p>
                       <a:pPr algn="ctr" rtl="0" fontAlgn="ctr"/>
                       <a:r>
-                        <a:rPr lang="en-US" altLang="ko-KR" sz="1000" dirty="0"/>
-                        <a:t>8.1</a:t>
-                      </a:r>
+                        <a:rPr lang="en-US" altLang="ko-KR" sz="1000" dirty="0" smtClean="0"/>
+                        <a:t>5.1</a:t>
+                      </a:r>
+                      <a:endParaRPr lang="en-US" altLang="ko-KR" sz="1000" dirty="0"/>
                     </a:p>
                   </a:txBody>
                   <a:tcPr marL="22860" marR="22860" marT="0" marB="0" anchor="ctr">
@@ -17104,7 +17211,7 @@
                 </a:tc>
                 <a:extLst>
                   <a:ext uri="{0D108BD9-81ED-4DB2-BD59-A6C34878D82A}">
-                    <a16:rowId xmlns:a16="http://schemas.microsoft.com/office/drawing/2014/main" val="10001"/>
+                    <a16:rowId xmlns:a16="http://schemas.microsoft.com/office/drawing/2014/main" xmlns="" val="10001"/>
                   </a:ext>
                 </a:extLst>
               </a:tr>
@@ -17116,9 +17223,10 @@
                     <a:p>
                       <a:pPr algn="ctr" rtl="0" fontAlgn="ctr"/>
                       <a:r>
-                        <a:rPr lang="en-US" altLang="ko-KR" sz="1000" dirty="0"/>
-                        <a:t>8.2</a:t>
-                      </a:r>
+                        <a:rPr lang="en-US" altLang="ko-KR" sz="1000" dirty="0" smtClean="0"/>
+                        <a:t>5.2</a:t>
+                      </a:r>
+                      <a:endParaRPr lang="en-US" altLang="ko-KR" sz="1000" dirty="0"/>
                     </a:p>
                   </a:txBody>
                   <a:tcPr marL="22860" marR="22860" marT="0" marB="0" anchor="ctr">
@@ -17305,7 +17413,7 @@
                 </a:tc>
                 <a:extLst>
                   <a:ext uri="{0D108BD9-81ED-4DB2-BD59-A6C34878D82A}">
-                    <a16:rowId xmlns:a16="http://schemas.microsoft.com/office/drawing/2014/main" val="10002"/>
+                    <a16:rowId xmlns:a16="http://schemas.microsoft.com/office/drawing/2014/main" xmlns="" val="10002"/>
                   </a:ext>
                 </a:extLst>
               </a:tr>
@@ -17325,7 +17433,14 @@
                           <a:latin typeface="Times New Roman"/>
                           <a:cs typeface="Times New Roman"/>
                         </a:rPr>
-                        <a:t>8.3</a:t>
+                        <a:t>5</a:t>
+                      </a:r>
+                      <a:r>
+                        <a:rPr lang="en-US" altLang="ko-KR" sz="1000" dirty="0" smtClean="0">
+                          <a:latin typeface="Times New Roman"/>
+                          <a:cs typeface="Times New Roman"/>
+                        </a:rPr>
+                        <a:t>.3</a:t>
                       </a:r>
                       <a:endParaRPr sz="1000" dirty="0">
                         <a:latin typeface="Times New Roman"/>
@@ -17537,7 +17652,7 @@
                 </a:tc>
                 <a:extLst>
                   <a:ext uri="{0D108BD9-81ED-4DB2-BD59-A6C34878D82A}">
-                    <a16:rowId xmlns:a16="http://schemas.microsoft.com/office/drawing/2014/main" val="10003"/>
+                    <a16:rowId xmlns:a16="http://schemas.microsoft.com/office/drawing/2014/main" xmlns="" val="10003"/>
                   </a:ext>
                 </a:extLst>
               </a:tr>
@@ -17557,7 +17672,14 @@
                           <a:latin typeface="Times New Roman"/>
                           <a:cs typeface="Times New Roman"/>
                         </a:rPr>
-                        <a:t>8.4</a:t>
+                        <a:t>5</a:t>
+                      </a:r>
+                      <a:r>
+                        <a:rPr lang="en-US" altLang="ko-KR" sz="1000" dirty="0" smtClean="0">
+                          <a:latin typeface="Times New Roman"/>
+                          <a:cs typeface="Times New Roman"/>
+                        </a:rPr>
+                        <a:t>.4</a:t>
                       </a:r>
                       <a:endParaRPr sz="1000" dirty="0">
                         <a:latin typeface="Times New Roman"/>
@@ -17874,7 +17996,7 @@
                 </a:tc>
                 <a:extLst>
                   <a:ext uri="{0D108BD9-81ED-4DB2-BD59-A6C34878D82A}">
-                    <a16:rowId xmlns:a16="http://schemas.microsoft.com/office/drawing/2014/main" val="10004"/>
+                    <a16:rowId xmlns:a16="http://schemas.microsoft.com/office/drawing/2014/main" xmlns="" val="10004"/>
                   </a:ext>
                 </a:extLst>
               </a:tr>
@@ -17890,11 +18012,11 @@
                         </a:lnSpc>
                       </a:pPr>
                       <a:r>
-                        <a:rPr lang="en-US" altLang="ko-KR" sz="1000" dirty="0">
+                        <a:rPr lang="en-US" altLang="ko-KR" sz="1000" dirty="0" smtClean="0">
                           <a:latin typeface="Times New Roman"/>
                           <a:cs typeface="Times New Roman"/>
                         </a:rPr>
-                        <a:t>8.5</a:t>
+                        <a:t>5.5</a:t>
                       </a:r>
                       <a:endParaRPr sz="1000" dirty="0">
                         <a:latin typeface="Times New Roman"/>
@@ -18103,7 +18225,7 @@
                 </a:tc>
                 <a:extLst>
                   <a:ext uri="{0D108BD9-81ED-4DB2-BD59-A6C34878D82A}">
-                    <a16:rowId xmlns:a16="http://schemas.microsoft.com/office/drawing/2014/main" val="10005"/>
+                    <a16:rowId xmlns:a16="http://schemas.microsoft.com/office/drawing/2014/main" xmlns="" val="10005"/>
                   </a:ext>
                 </a:extLst>
               </a:tr>
@@ -18123,7 +18245,14 @@
                           <a:latin typeface="Times New Roman"/>
                           <a:cs typeface="Times New Roman"/>
                         </a:rPr>
-                        <a:t>8.6</a:t>
+                        <a:t>5</a:t>
+                      </a:r>
+                      <a:r>
+                        <a:rPr lang="en-US" altLang="ko-KR" sz="1000" dirty="0" smtClean="0">
+                          <a:latin typeface="Times New Roman"/>
+                          <a:cs typeface="Times New Roman"/>
+                        </a:rPr>
+                        <a:t>.6</a:t>
                       </a:r>
                       <a:endParaRPr sz="1000" dirty="0">
                         <a:latin typeface="Times New Roman"/>
@@ -18332,7 +18461,7 @@
                 </a:tc>
                 <a:extLst>
                   <a:ext uri="{0D108BD9-81ED-4DB2-BD59-A6C34878D82A}">
-                    <a16:rowId xmlns:a16="http://schemas.microsoft.com/office/drawing/2014/main" val="10006"/>
+                    <a16:rowId xmlns:a16="http://schemas.microsoft.com/office/drawing/2014/main" xmlns="" val="10006"/>
                   </a:ext>
                 </a:extLst>
               </a:tr>
@@ -18348,11 +18477,11 @@
                         </a:lnSpc>
                       </a:pPr>
                       <a:r>
-                        <a:rPr lang="en-US" altLang="ko-KR" sz="1000" dirty="0">
+                        <a:rPr lang="en-US" altLang="ko-KR" sz="1000" dirty="0" smtClean="0">
                           <a:latin typeface="Times New Roman"/>
                           <a:cs typeface="Times New Roman"/>
                         </a:rPr>
-                        <a:t>8.6.1</a:t>
+                        <a:t>5.6.1</a:t>
                       </a:r>
                       <a:endParaRPr sz="1000" dirty="0">
                         <a:latin typeface="Times New Roman"/>
@@ -18572,7 +18701,7 @@
                 </a:tc>
                 <a:extLst>
                   <a:ext uri="{0D108BD9-81ED-4DB2-BD59-A6C34878D82A}">
-                    <a16:rowId xmlns:a16="http://schemas.microsoft.com/office/drawing/2014/main" val="10007"/>
+                    <a16:rowId xmlns:a16="http://schemas.microsoft.com/office/drawing/2014/main" xmlns="" val="10007"/>
                   </a:ext>
                 </a:extLst>
               </a:tr>
@@ -18669,7 +18798,7 @@
           <p:nvPr>
             <p:extLst>
               <p:ext uri="{D42A27DB-BD31-4B8C-83A1-F6EECF244321}">
-                <p14:modId xmlns:p14="http://schemas.microsoft.com/office/powerpoint/2010/main" val="2557031608"/>
+                <p14:modId xmlns:p14="http://schemas.microsoft.com/office/powerpoint/2010/main" xmlns="" val="2557031608"/>
               </p:ext>
             </p:extLst>
           </p:nvPr>
@@ -18688,28 +18817,28 @@
                 <a:gridCol w="990600">
                   <a:extLst>
                     <a:ext uri="{9D8B030D-6E8A-4147-A177-3AD203B41FA5}">
-                      <a16:colId xmlns:a16="http://schemas.microsoft.com/office/drawing/2014/main" val="20000"/>
+                      <a16:colId xmlns:a16="http://schemas.microsoft.com/office/drawing/2014/main" xmlns="" val="20000"/>
                     </a:ext>
                   </a:extLst>
                 </a:gridCol>
                 <a:gridCol w="5486400">
                   <a:extLst>
                     <a:ext uri="{9D8B030D-6E8A-4147-A177-3AD203B41FA5}">
-                      <a16:colId xmlns:a16="http://schemas.microsoft.com/office/drawing/2014/main" val="20001"/>
+                      <a16:colId xmlns:a16="http://schemas.microsoft.com/office/drawing/2014/main" xmlns="" val="20001"/>
                     </a:ext>
                   </a:extLst>
                 </a:gridCol>
                 <a:gridCol w="990600">
                   <a:extLst>
                     <a:ext uri="{9D8B030D-6E8A-4147-A177-3AD203B41FA5}">
-                      <a16:colId xmlns:a16="http://schemas.microsoft.com/office/drawing/2014/main" val="20002"/>
+                      <a16:colId xmlns:a16="http://schemas.microsoft.com/office/drawing/2014/main" xmlns="" val="20002"/>
                     </a:ext>
                   </a:extLst>
                 </a:gridCol>
                 <a:gridCol w="862328">
                   <a:extLst>
                     <a:ext uri="{9D8B030D-6E8A-4147-A177-3AD203B41FA5}">
-                      <a16:colId xmlns:a16="http://schemas.microsoft.com/office/drawing/2014/main" val="20003"/>
+                      <a16:colId xmlns:a16="http://schemas.microsoft.com/office/drawing/2014/main" xmlns="" val="20003"/>
                     </a:ext>
                   </a:extLst>
                 </a:gridCol>
@@ -18979,7 +19108,7 @@
                 </a:tc>
                 <a:extLst>
                   <a:ext uri="{0D108BD9-81ED-4DB2-BD59-A6C34878D82A}">
-                    <a16:rowId xmlns:a16="http://schemas.microsoft.com/office/drawing/2014/main" val="10000"/>
+                    <a16:rowId xmlns:a16="http://schemas.microsoft.com/office/drawing/2014/main" xmlns="" val="10000"/>
                   </a:ext>
                 </a:extLst>
               </a:tr>
@@ -18992,8 +19121,13 @@
                       <a:pPr algn="ctr" rtl="0" fontAlgn="ctr"/>
                       <a:r>
                         <a:rPr lang="en-US" altLang="ko-KR" sz="1000" dirty="0"/>
-                        <a:t>9.1</a:t>
-                      </a:r>
+                        <a:t>6</a:t>
+                      </a:r>
+                      <a:r>
+                        <a:rPr lang="en-US" altLang="ko-KR" sz="1000" dirty="0" smtClean="0"/>
+                        <a:t>.1</a:t>
+                      </a:r>
+                      <a:endParaRPr lang="en-US" altLang="ko-KR" sz="1000" dirty="0"/>
                     </a:p>
                   </a:txBody>
                   <a:tcPr marL="22860" marR="22860" marT="0" marB="0" anchor="ctr">
@@ -19172,7 +19306,7 @@
                 </a:tc>
                 <a:extLst>
                   <a:ext uri="{0D108BD9-81ED-4DB2-BD59-A6C34878D82A}">
-                    <a16:rowId xmlns:a16="http://schemas.microsoft.com/office/drawing/2014/main" val="10001"/>
+                    <a16:rowId xmlns:a16="http://schemas.microsoft.com/office/drawing/2014/main" xmlns="" val="10001"/>
                   </a:ext>
                 </a:extLst>
               </a:tr>
@@ -19184,9 +19318,14 @@
                     <a:p>
                       <a:pPr algn="ctr" rtl="0" fontAlgn="ctr"/>
                       <a:r>
-                        <a:rPr lang="en-US" altLang="ko-KR" sz="1000"/>
-                        <a:t>9.2</a:t>
-                      </a:r>
+                        <a:rPr lang="en-US" altLang="ko-KR" sz="1000" dirty="0"/>
+                        <a:t>6</a:t>
+                      </a:r>
+                      <a:r>
+                        <a:rPr lang="en-US" altLang="ko-KR" sz="1000" dirty="0" smtClean="0"/>
+                        <a:t>.2</a:t>
+                      </a:r>
+                      <a:endParaRPr lang="en-US" altLang="ko-KR" sz="1000" dirty="0"/>
                     </a:p>
                   </a:txBody>
                   <a:tcPr marL="22860" marR="22860" marT="0" marB="0" anchor="ctr">
@@ -19373,7 +19512,7 @@
                 </a:tc>
                 <a:extLst>
                   <a:ext uri="{0D108BD9-81ED-4DB2-BD59-A6C34878D82A}">
-                    <a16:rowId xmlns:a16="http://schemas.microsoft.com/office/drawing/2014/main" val="10002"/>
+                    <a16:rowId xmlns:a16="http://schemas.microsoft.com/office/drawing/2014/main" xmlns="" val="10002"/>
                   </a:ext>
                 </a:extLst>
               </a:tr>
@@ -19385,9 +19524,14 @@
                     <a:p>
                       <a:pPr algn="ctr" rtl="0" fontAlgn="ctr"/>
                       <a:r>
-                        <a:rPr lang="en-US" altLang="ko-KR" sz="1000"/>
-                        <a:t>9.3</a:t>
-                      </a:r>
+                        <a:rPr lang="en-US" altLang="ko-KR" sz="1000" dirty="0"/>
+                        <a:t>6</a:t>
+                      </a:r>
+                      <a:r>
+                        <a:rPr lang="en-US" altLang="ko-KR" sz="1000" dirty="0" smtClean="0"/>
+                        <a:t>.3</a:t>
+                      </a:r>
+                      <a:endParaRPr lang="en-US" altLang="ko-KR" sz="1000" dirty="0"/>
                     </a:p>
                   </a:txBody>
                   <a:tcPr marL="22860" marR="22860" marT="0" marB="0" anchor="ctr">
@@ -19566,7 +19710,7 @@
                 </a:tc>
                 <a:extLst>
                   <a:ext uri="{0D108BD9-81ED-4DB2-BD59-A6C34878D82A}">
-                    <a16:rowId xmlns:a16="http://schemas.microsoft.com/office/drawing/2014/main" val="10003"/>
+                    <a16:rowId xmlns:a16="http://schemas.microsoft.com/office/drawing/2014/main" xmlns="" val="10003"/>
                   </a:ext>
                 </a:extLst>
               </a:tr>
@@ -19578,9 +19722,14 @@
                     <a:p>
                       <a:pPr algn="ctr" rtl="0" fontAlgn="ctr"/>
                       <a:r>
-                        <a:rPr lang="en-US" altLang="ko-KR" sz="1000"/>
-                        <a:t>9.4</a:t>
-                      </a:r>
+                        <a:rPr lang="en-US" altLang="ko-KR" sz="1000" dirty="0"/>
+                        <a:t>6</a:t>
+                      </a:r>
+                      <a:r>
+                        <a:rPr lang="en-US" altLang="ko-KR" sz="1000" dirty="0" smtClean="0"/>
+                        <a:t>.4</a:t>
+                      </a:r>
+                      <a:endParaRPr lang="en-US" altLang="ko-KR" sz="1000" dirty="0"/>
                     </a:p>
                   </a:txBody>
                   <a:tcPr marL="22860" marR="22860" marT="0" marB="0" anchor="ctr">
@@ -19775,7 +19924,7 @@
                 </a:tc>
                 <a:extLst>
                   <a:ext uri="{0D108BD9-81ED-4DB2-BD59-A6C34878D82A}">
-                    <a16:rowId xmlns:a16="http://schemas.microsoft.com/office/drawing/2014/main" val="10004"/>
+                    <a16:rowId xmlns:a16="http://schemas.microsoft.com/office/drawing/2014/main" xmlns="" val="10004"/>
                   </a:ext>
                 </a:extLst>
               </a:tr>
@@ -19787,9 +19936,14 @@
                     <a:p>
                       <a:pPr algn="ctr" rtl="0" fontAlgn="ctr"/>
                       <a:r>
-                        <a:rPr lang="en-US" altLang="ko-KR" sz="1000"/>
-                        <a:t>9.5</a:t>
-                      </a:r>
+                        <a:rPr lang="en-US" altLang="ko-KR" sz="1000" dirty="0"/>
+                        <a:t>6</a:t>
+                      </a:r>
+                      <a:r>
+                        <a:rPr lang="en-US" altLang="ko-KR" sz="1000" dirty="0" smtClean="0"/>
+                        <a:t>.5</a:t>
+                      </a:r>
+                      <a:endParaRPr lang="en-US" altLang="ko-KR" sz="1000" dirty="0"/>
                     </a:p>
                   </a:txBody>
                   <a:tcPr marL="22860" marR="22860" marT="0" marB="0" anchor="ctr">
@@ -19976,7 +20130,7 @@
                 </a:tc>
                 <a:extLst>
                   <a:ext uri="{0D108BD9-81ED-4DB2-BD59-A6C34878D82A}">
-                    <a16:rowId xmlns:a16="http://schemas.microsoft.com/office/drawing/2014/main" val="10005"/>
+                    <a16:rowId xmlns:a16="http://schemas.microsoft.com/office/drawing/2014/main" xmlns="" val="10005"/>
                   </a:ext>
                 </a:extLst>
               </a:tr>
@@ -20073,7 +20227,7 @@
           <p:nvPr>
             <p:extLst>
               <p:ext uri="{D42A27DB-BD31-4B8C-83A1-F6EECF244321}">
-                <p14:modId xmlns:p14="http://schemas.microsoft.com/office/powerpoint/2010/main" val="4053779674"/>
+                <p14:modId xmlns:p14="http://schemas.microsoft.com/office/powerpoint/2010/main" xmlns="" val="4053779674"/>
               </p:ext>
             </p:extLst>
           </p:nvPr>
@@ -20092,28 +20246,28 @@
                 <a:gridCol w="990600">
                   <a:extLst>
                     <a:ext uri="{9D8B030D-6E8A-4147-A177-3AD203B41FA5}">
-                      <a16:colId xmlns:a16="http://schemas.microsoft.com/office/drawing/2014/main" val="20000"/>
+                      <a16:colId xmlns:a16="http://schemas.microsoft.com/office/drawing/2014/main" xmlns="" val="20000"/>
                     </a:ext>
                   </a:extLst>
                 </a:gridCol>
                 <a:gridCol w="5486400">
                   <a:extLst>
                     <a:ext uri="{9D8B030D-6E8A-4147-A177-3AD203B41FA5}">
-                      <a16:colId xmlns:a16="http://schemas.microsoft.com/office/drawing/2014/main" val="20001"/>
+                      <a16:colId xmlns:a16="http://schemas.microsoft.com/office/drawing/2014/main" xmlns="" val="20001"/>
                     </a:ext>
                   </a:extLst>
                 </a:gridCol>
                 <a:gridCol w="990600">
                   <a:extLst>
                     <a:ext uri="{9D8B030D-6E8A-4147-A177-3AD203B41FA5}">
-                      <a16:colId xmlns:a16="http://schemas.microsoft.com/office/drawing/2014/main" val="20002"/>
+                      <a16:colId xmlns:a16="http://schemas.microsoft.com/office/drawing/2014/main" xmlns="" val="20002"/>
                     </a:ext>
                   </a:extLst>
                 </a:gridCol>
                 <a:gridCol w="862328">
                   <a:extLst>
                     <a:ext uri="{9D8B030D-6E8A-4147-A177-3AD203B41FA5}">
-                      <a16:colId xmlns:a16="http://schemas.microsoft.com/office/drawing/2014/main" val="20003"/>
+                      <a16:colId xmlns:a16="http://schemas.microsoft.com/office/drawing/2014/main" xmlns="" val="20003"/>
                     </a:ext>
                   </a:extLst>
                 </a:gridCol>
@@ -20383,7 +20537,7 @@
                 </a:tc>
                 <a:extLst>
                   <a:ext uri="{0D108BD9-81ED-4DB2-BD59-A6C34878D82A}">
-                    <a16:rowId xmlns:a16="http://schemas.microsoft.com/office/drawing/2014/main" val="10000"/>
+                    <a16:rowId xmlns:a16="http://schemas.microsoft.com/office/drawing/2014/main" xmlns="" val="10000"/>
                   </a:ext>
                 </a:extLst>
               </a:tr>
@@ -20395,9 +20549,10 @@
                     <a:p>
                       <a:pPr algn="ctr" rtl="0" fontAlgn="ctr"/>
                       <a:r>
-                        <a:rPr lang="en-US" altLang="ko-KR" sz="1000" dirty="0"/>
-                        <a:t>10.1</a:t>
-                      </a:r>
+                        <a:rPr lang="en-US" altLang="ko-KR" sz="1000" dirty="0" smtClean="0"/>
+                        <a:t>7.1</a:t>
+                      </a:r>
+                      <a:endParaRPr lang="en-US" altLang="ko-KR" sz="1000" dirty="0"/>
                     </a:p>
                   </a:txBody>
                   <a:tcPr marL="22860" marR="22860" marT="0" marB="0" anchor="ctr">
@@ -20592,7 +20747,7 @@
                 </a:tc>
                 <a:extLst>
                   <a:ext uri="{0D108BD9-81ED-4DB2-BD59-A6C34878D82A}">
-                    <a16:rowId xmlns:a16="http://schemas.microsoft.com/office/drawing/2014/main" val="10001"/>
+                    <a16:rowId xmlns:a16="http://schemas.microsoft.com/office/drawing/2014/main" xmlns="" val="10001"/>
                   </a:ext>
                 </a:extLst>
               </a:tr>
@@ -20604,9 +20759,10 @@
                     <a:p>
                       <a:pPr algn="ctr" rtl="0" fontAlgn="ctr"/>
                       <a:r>
-                        <a:rPr lang="en-US" altLang="ko-KR" sz="1000"/>
-                        <a:t>10.2</a:t>
-                      </a:r>
+                        <a:rPr lang="en-US" altLang="ko-KR" sz="1000" dirty="0" smtClean="0"/>
+                        <a:t>7.2</a:t>
+                      </a:r>
+                      <a:endParaRPr lang="en-US" altLang="ko-KR" sz="1000" dirty="0"/>
                     </a:p>
                   </a:txBody>
                   <a:tcPr marL="22860" marR="22860" marT="0" marB="0" anchor="ctr">
@@ -20789,7 +20945,7 @@
                 </a:tc>
                 <a:extLst>
                   <a:ext uri="{0D108BD9-81ED-4DB2-BD59-A6C34878D82A}">
-                    <a16:rowId xmlns:a16="http://schemas.microsoft.com/office/drawing/2014/main" val="10002"/>
+                    <a16:rowId xmlns:a16="http://schemas.microsoft.com/office/drawing/2014/main" xmlns="" val="10002"/>
                   </a:ext>
                 </a:extLst>
               </a:tr>
@@ -20801,9 +20957,10 @@
                     <a:p>
                       <a:pPr algn="ctr" rtl="0" fontAlgn="ctr"/>
                       <a:r>
-                        <a:rPr lang="en-US" altLang="ko-KR" sz="1000"/>
-                        <a:t>10.3</a:t>
-                      </a:r>
+                        <a:rPr lang="en-US" altLang="ko-KR" sz="1000" dirty="0" smtClean="0"/>
+                        <a:t>7.3</a:t>
+                      </a:r>
+                      <a:endParaRPr lang="en-US" altLang="ko-KR" sz="1000" dirty="0"/>
                     </a:p>
                   </a:txBody>
                   <a:tcPr marL="22860" marR="22860" marT="0" marB="0" anchor="ctr">
@@ -20994,7 +21151,7 @@
                 </a:tc>
                 <a:extLst>
                   <a:ext uri="{0D108BD9-81ED-4DB2-BD59-A6C34878D82A}">
-                    <a16:rowId xmlns:a16="http://schemas.microsoft.com/office/drawing/2014/main" val="10003"/>
+                    <a16:rowId xmlns:a16="http://schemas.microsoft.com/office/drawing/2014/main" xmlns="" val="10003"/>
                   </a:ext>
                 </a:extLst>
               </a:tr>
@@ -21006,9 +21163,10 @@
                     <a:p>
                       <a:pPr algn="ctr" rtl="0" fontAlgn="ctr"/>
                       <a:r>
-                        <a:rPr lang="en-US" altLang="ko-KR" sz="1000"/>
-                        <a:t>10.4</a:t>
-                      </a:r>
+                        <a:rPr lang="en-US" altLang="ko-KR" sz="1000" dirty="0" smtClean="0"/>
+                        <a:t>7.4</a:t>
+                      </a:r>
+                      <a:endParaRPr lang="en-US" altLang="ko-KR" sz="1000" dirty="0"/>
                     </a:p>
                   </a:txBody>
                   <a:tcPr marL="22860" marR="22860" marT="0" marB="0" anchor="ctr">
@@ -21187,7 +21345,7 @@
                 </a:tc>
                 <a:extLst>
                   <a:ext uri="{0D108BD9-81ED-4DB2-BD59-A6C34878D82A}">
-                    <a16:rowId xmlns:a16="http://schemas.microsoft.com/office/drawing/2014/main" val="10004"/>
+                    <a16:rowId xmlns:a16="http://schemas.microsoft.com/office/drawing/2014/main" xmlns="" val="10004"/>
                   </a:ext>
                 </a:extLst>
               </a:tr>
@@ -21199,9 +21357,10 @@
                     <a:p>
                       <a:pPr algn="ctr" rtl="0" fontAlgn="ctr"/>
                       <a:r>
-                        <a:rPr lang="en-US" altLang="ko-KR" sz="1000"/>
-                        <a:t>10.5</a:t>
-                      </a:r>
+                        <a:rPr lang="en-US" altLang="ko-KR" sz="1000" dirty="0" smtClean="0"/>
+                        <a:t>7.5</a:t>
+                      </a:r>
+                      <a:endParaRPr lang="en-US" altLang="ko-KR" sz="1000" dirty="0"/>
                     </a:p>
                   </a:txBody>
                   <a:tcPr marL="22860" marR="22860" marT="0" marB="0" anchor="ctr">
@@ -21392,7 +21551,7 @@
                 </a:tc>
                 <a:extLst>
                   <a:ext uri="{0D108BD9-81ED-4DB2-BD59-A6C34878D82A}">
-                    <a16:rowId xmlns:a16="http://schemas.microsoft.com/office/drawing/2014/main" val="10005"/>
+                    <a16:rowId xmlns:a16="http://schemas.microsoft.com/office/drawing/2014/main" xmlns="" val="10005"/>
                   </a:ext>
                 </a:extLst>
               </a:tr>
@@ -21408,11 +21567,11 @@
                         </a:lnSpc>
                       </a:pPr>
                       <a:r>
-                        <a:rPr lang="en-US" altLang="ko-KR" sz="1000" dirty="0">
+                        <a:rPr lang="en-US" altLang="ko-KR" sz="1000" dirty="0" smtClean="0">
                           <a:latin typeface="Times New Roman"/>
                           <a:cs typeface="Times New Roman"/>
                         </a:rPr>
-                        <a:t>10.6</a:t>
+                        <a:t>7.6</a:t>
                       </a:r>
                       <a:endParaRPr sz="1000" dirty="0">
                         <a:latin typeface="Times New Roman"/>
@@ -21604,7 +21763,7 @@
                 </a:tc>
                 <a:extLst>
                   <a:ext uri="{0D108BD9-81ED-4DB2-BD59-A6C34878D82A}">
-                    <a16:rowId xmlns:a16="http://schemas.microsoft.com/office/drawing/2014/main" val="10006"/>
+                    <a16:rowId xmlns:a16="http://schemas.microsoft.com/office/drawing/2014/main" xmlns="" val="10006"/>
                   </a:ext>
                 </a:extLst>
               </a:tr>
@@ -21620,11 +21779,11 @@
                         </a:lnSpc>
                       </a:pPr>
                       <a:r>
-                        <a:rPr lang="en-US" altLang="ko-KR" sz="1000" dirty="0">
+                        <a:rPr lang="en-US" altLang="ko-KR" sz="1000" dirty="0" smtClean="0">
                           <a:latin typeface="Times New Roman"/>
                           <a:cs typeface="Times New Roman"/>
                         </a:rPr>
-                        <a:t>10.7</a:t>
+                        <a:t>7.7</a:t>
                       </a:r>
                       <a:endParaRPr sz="1000" dirty="0">
                         <a:latin typeface="Times New Roman"/>
@@ -21816,7 +21975,7 @@
                 </a:tc>
                 <a:extLst>
                   <a:ext uri="{0D108BD9-81ED-4DB2-BD59-A6C34878D82A}">
-                    <a16:rowId xmlns:a16="http://schemas.microsoft.com/office/drawing/2014/main" val="10007"/>
+                    <a16:rowId xmlns:a16="http://schemas.microsoft.com/office/drawing/2014/main" xmlns="" val="10007"/>
                   </a:ext>
                 </a:extLst>
               </a:tr>
@@ -21912,7 +22071,7 @@
           <p:nvPr>
             <p:extLst>
               <p:ext uri="{D42A27DB-BD31-4B8C-83A1-F6EECF244321}">
-                <p14:modId xmlns:p14="http://schemas.microsoft.com/office/powerpoint/2010/main" val="904007714"/>
+                <p14:modId xmlns:p14="http://schemas.microsoft.com/office/powerpoint/2010/main" xmlns="" val="904007714"/>
               </p:ext>
             </p:extLst>
           </p:nvPr>
@@ -21931,28 +22090,28 @@
                 <a:gridCol w="990600">
                   <a:extLst>
                     <a:ext uri="{9D8B030D-6E8A-4147-A177-3AD203B41FA5}">
-                      <a16:colId xmlns:a16="http://schemas.microsoft.com/office/drawing/2014/main" val="20000"/>
+                      <a16:colId xmlns:a16="http://schemas.microsoft.com/office/drawing/2014/main" xmlns="" val="20000"/>
                     </a:ext>
                   </a:extLst>
                 </a:gridCol>
                 <a:gridCol w="5486400">
                   <a:extLst>
                     <a:ext uri="{9D8B030D-6E8A-4147-A177-3AD203B41FA5}">
-                      <a16:colId xmlns:a16="http://schemas.microsoft.com/office/drawing/2014/main" val="20001"/>
+                      <a16:colId xmlns:a16="http://schemas.microsoft.com/office/drawing/2014/main" xmlns="" val="20001"/>
                     </a:ext>
                   </a:extLst>
                 </a:gridCol>
                 <a:gridCol w="990600">
                   <a:extLst>
                     <a:ext uri="{9D8B030D-6E8A-4147-A177-3AD203B41FA5}">
-                      <a16:colId xmlns:a16="http://schemas.microsoft.com/office/drawing/2014/main" val="20002"/>
+                      <a16:colId xmlns:a16="http://schemas.microsoft.com/office/drawing/2014/main" xmlns="" val="20002"/>
                     </a:ext>
                   </a:extLst>
                 </a:gridCol>
                 <a:gridCol w="862328">
                   <a:extLst>
                     <a:ext uri="{9D8B030D-6E8A-4147-A177-3AD203B41FA5}">
-                      <a16:colId xmlns:a16="http://schemas.microsoft.com/office/drawing/2014/main" val="20003"/>
+                      <a16:colId xmlns:a16="http://schemas.microsoft.com/office/drawing/2014/main" xmlns="" val="20003"/>
                     </a:ext>
                   </a:extLst>
                 </a:gridCol>
@@ -22222,7 +22381,7 @@
                 </a:tc>
                 <a:extLst>
                   <a:ext uri="{0D108BD9-81ED-4DB2-BD59-A6C34878D82A}">
-                    <a16:rowId xmlns:a16="http://schemas.microsoft.com/office/drawing/2014/main" val="10000"/>
+                    <a16:rowId xmlns:a16="http://schemas.microsoft.com/office/drawing/2014/main" xmlns="" val="10000"/>
                   </a:ext>
                 </a:extLst>
               </a:tr>
@@ -22234,9 +22393,10 @@
                     <a:p>
                       <a:pPr algn="ctr" rtl="0" fontAlgn="ctr"/>
                       <a:r>
-                        <a:rPr lang="en-US" altLang="ko-KR" sz="1000" dirty="0"/>
-                        <a:t>11.1</a:t>
-                      </a:r>
+                        <a:rPr lang="en-US" altLang="ko-KR" sz="1000" dirty="0" smtClean="0"/>
+                        <a:t>8.1</a:t>
+                      </a:r>
+                      <a:endParaRPr lang="en-US" altLang="ko-KR" sz="1000" dirty="0"/>
                     </a:p>
                   </a:txBody>
                   <a:tcPr marL="22860" marR="22860" marT="0" marB="0" anchor="ctr">
@@ -22415,7 +22575,7 @@
                 </a:tc>
                 <a:extLst>
                   <a:ext uri="{0D108BD9-81ED-4DB2-BD59-A6C34878D82A}">
-                    <a16:rowId xmlns:a16="http://schemas.microsoft.com/office/drawing/2014/main" val="10001"/>
+                    <a16:rowId xmlns:a16="http://schemas.microsoft.com/office/drawing/2014/main" xmlns="" val="10001"/>
                   </a:ext>
                 </a:extLst>
               </a:tr>
@@ -22427,9 +22587,10 @@
                     <a:p>
                       <a:pPr algn="ctr" rtl="0" fontAlgn="ctr"/>
                       <a:r>
-                        <a:rPr lang="en-US" altLang="ko-KR" sz="1000"/>
-                        <a:t>11.2</a:t>
-                      </a:r>
+                        <a:rPr lang="en-US" altLang="ko-KR" sz="1000" dirty="0" smtClean="0"/>
+                        <a:t>8.2</a:t>
+                      </a:r>
+                      <a:endParaRPr lang="en-US" altLang="ko-KR" sz="1000" dirty="0"/>
                     </a:p>
                   </a:txBody>
                   <a:tcPr marL="22860" marR="22860" marT="0" marB="0" anchor="ctr">
@@ -22608,7 +22769,7 @@
                 </a:tc>
                 <a:extLst>
                   <a:ext uri="{0D108BD9-81ED-4DB2-BD59-A6C34878D82A}">
-                    <a16:rowId xmlns:a16="http://schemas.microsoft.com/office/drawing/2014/main" val="10002"/>
+                    <a16:rowId xmlns:a16="http://schemas.microsoft.com/office/drawing/2014/main" xmlns="" val="10002"/>
                   </a:ext>
                 </a:extLst>
               </a:tr>
@@ -22620,9 +22781,10 @@
                     <a:p>
                       <a:pPr algn="ctr" rtl="0" fontAlgn="ctr"/>
                       <a:r>
-                        <a:rPr lang="en-US" altLang="ko-KR" sz="1000"/>
-                        <a:t>11.3</a:t>
-                      </a:r>
+                        <a:rPr lang="en-US" altLang="ko-KR" sz="1000" dirty="0" smtClean="0"/>
+                        <a:t>8.3</a:t>
+                      </a:r>
+                      <a:endParaRPr lang="en-US" altLang="ko-KR" sz="1000" dirty="0"/>
                     </a:p>
                   </a:txBody>
                   <a:tcPr marL="22860" marR="22860" marT="0" marB="0" anchor="ctr">
@@ -22817,7 +22979,7 @@
                 </a:tc>
                 <a:extLst>
                   <a:ext uri="{0D108BD9-81ED-4DB2-BD59-A6C34878D82A}">
-                    <a16:rowId xmlns:a16="http://schemas.microsoft.com/office/drawing/2014/main" val="10003"/>
+                    <a16:rowId xmlns:a16="http://schemas.microsoft.com/office/drawing/2014/main" xmlns="" val="10003"/>
                   </a:ext>
                 </a:extLst>
               </a:tr>
@@ -22829,9 +22991,10 @@
                     <a:p>
                       <a:pPr algn="ctr" rtl="0" fontAlgn="ctr"/>
                       <a:r>
-                        <a:rPr lang="en-US" altLang="ko-KR" sz="1000"/>
-                        <a:t>11.4</a:t>
-                      </a:r>
+                        <a:rPr lang="en-US" altLang="ko-KR" sz="1000" dirty="0" smtClean="0"/>
+                        <a:t>8.4</a:t>
+                      </a:r>
+                      <a:endParaRPr lang="en-US" altLang="ko-KR" sz="1000" dirty="0"/>
                     </a:p>
                   </a:txBody>
                   <a:tcPr marL="22860" marR="22860" marT="0" marB="0" anchor="ctr">
@@ -23026,7 +23189,7 @@
                 </a:tc>
                 <a:extLst>
                   <a:ext uri="{0D108BD9-81ED-4DB2-BD59-A6C34878D82A}">
-                    <a16:rowId xmlns:a16="http://schemas.microsoft.com/office/drawing/2014/main" val="10004"/>
+                    <a16:rowId xmlns:a16="http://schemas.microsoft.com/office/drawing/2014/main" xmlns="" val="10004"/>
                   </a:ext>
                 </a:extLst>
               </a:tr>
@@ -23038,9 +23201,10 @@
                     <a:p>
                       <a:pPr algn="ctr" rtl="0" fontAlgn="ctr"/>
                       <a:r>
-                        <a:rPr lang="en-US" altLang="ko-KR" sz="1000"/>
-                        <a:t>11.5</a:t>
-                      </a:r>
+                        <a:rPr lang="en-US" altLang="ko-KR" sz="1000" dirty="0" smtClean="0"/>
+                        <a:t>8.5</a:t>
+                      </a:r>
+                      <a:endParaRPr lang="en-US" altLang="ko-KR" sz="1000" dirty="0"/>
                     </a:p>
                   </a:txBody>
                   <a:tcPr marL="22860" marR="22860" marT="0" marB="0" anchor="ctr">
@@ -23227,7 +23391,7 @@
                 </a:tc>
                 <a:extLst>
                   <a:ext uri="{0D108BD9-81ED-4DB2-BD59-A6C34878D82A}">
-                    <a16:rowId xmlns:a16="http://schemas.microsoft.com/office/drawing/2014/main" val="10005"/>
+                    <a16:rowId xmlns:a16="http://schemas.microsoft.com/office/drawing/2014/main" xmlns="" val="10005"/>
                   </a:ext>
                 </a:extLst>
               </a:tr>
@@ -23239,9 +23403,10 @@
                     <a:p>
                       <a:pPr algn="ctr" rtl="0" fontAlgn="ctr"/>
                       <a:r>
-                        <a:rPr lang="en-US" altLang="ko-KR" sz="1000"/>
-                        <a:t>11.6</a:t>
-                      </a:r>
+                        <a:rPr lang="en-US" altLang="ko-KR" sz="1000" dirty="0" smtClean="0"/>
+                        <a:t>8.6</a:t>
+                      </a:r>
+                      <a:endParaRPr lang="en-US" altLang="ko-KR" sz="1000" dirty="0"/>
                     </a:p>
                   </a:txBody>
                   <a:tcPr marL="22860" marR="22860" marT="0" marB="0" anchor="ctr">
@@ -23444,7 +23609,7 @@
                 </a:tc>
                 <a:extLst>
                   <a:ext uri="{0D108BD9-81ED-4DB2-BD59-A6C34878D82A}">
-                    <a16:rowId xmlns:a16="http://schemas.microsoft.com/office/drawing/2014/main" val="10006"/>
+                    <a16:rowId xmlns:a16="http://schemas.microsoft.com/office/drawing/2014/main" xmlns="" val="10006"/>
                   </a:ext>
                 </a:extLst>
               </a:tr>
@@ -23456,9 +23621,10 @@
                     <a:p>
                       <a:pPr algn="ctr" rtl="0" fontAlgn="ctr"/>
                       <a:r>
-                        <a:rPr lang="en-US" altLang="ko-KR" sz="1000"/>
-                        <a:t>11.7</a:t>
-                      </a:r>
+                        <a:rPr lang="en-US" altLang="ko-KR" sz="1000" dirty="0" smtClean="0"/>
+                        <a:t>8.7</a:t>
+                      </a:r>
+                      <a:endParaRPr lang="en-US" altLang="ko-KR" sz="1000" dirty="0"/>
                     </a:p>
                   </a:txBody>
                   <a:tcPr marL="22860" marR="22860" marT="0" marB="0" anchor="ctr">
@@ -23634,7 +23800,7 @@
                 </a:tc>
                 <a:extLst>
                   <a:ext uri="{0D108BD9-81ED-4DB2-BD59-A6C34878D82A}">
-                    <a16:rowId xmlns:a16="http://schemas.microsoft.com/office/drawing/2014/main" val="10007"/>
+                    <a16:rowId xmlns:a16="http://schemas.microsoft.com/office/drawing/2014/main" xmlns="" val="10007"/>
                   </a:ext>
                 </a:extLst>
               </a:tr>
